--- a/static/presentations/bright_modern.pptx
+++ b/static/presentations/bright_modern.pptx
@@ -2,7 +2,7 @@
 <file path=ppt/presentation.xml><?xml version="1.0" encoding="utf-8"?>
 <p:presentation xmlns:a="http://schemas.openxmlformats.org/drawingml/2006/main" xmlns:r="http://schemas.openxmlformats.org/officeDocument/2006/relationships" xmlns:p="http://schemas.openxmlformats.org/presentationml/2006/main" embedTrueTypeFonts="1" saveSubsetFonts="1">
   <p:sldMasterIdLst>
-    <p:sldMasterId id="2147483689" r:id="rId1"/>
+    <p:sldMasterId id="2147483853" r:id="rId1"/>
   </p:sldMasterIdLst>
   <p:sldIdLst>
     <p:sldId id="256" r:id="rId2"/>
@@ -12,16 +12,11 @@
   <p:notesSz cx="6858000" cy="9144000"/>
   <p:embeddedFontLst>
     <p:embeddedFont>
-      <p:font typeface="Calibri" panose="020F0502020204030204" pitchFamily="34" charset="0"/>
+      <p:font typeface="Tw Cen MT" panose="020B0602020104020603" pitchFamily="34" charset="77"/>
       <p:regular r:id="rId4"/>
       <p:bold r:id="rId5"/>
       <p:italic r:id="rId6"/>
       <p:boldItalic r:id="rId7"/>
-    </p:embeddedFont>
-    <p:embeddedFont>
-      <p:font typeface="Calibri Light" panose="020F0302020204030204" pitchFamily="34" charset="0"/>
-      <p:regular r:id="rId8"/>
-      <p:italic r:id="rId9"/>
     </p:embeddedFont>
   </p:embeddedFontLst>
   <p:defaultTextStyle>
@@ -155,6 +150,36 @@
           <a:chExt cx="0" cy="0"/>
         </a:xfrm>
       </p:grpSpPr>
+      <p:pic>
+        <p:nvPicPr>
+          <p:cNvPr id="7" name="Picture 6" descr="Droplets-HD-Title-R1d.png"/>
+          <p:cNvPicPr>
+            <a:picLocks noChangeAspect="1"/>
+          </p:cNvPicPr>
+          <p:nvPr/>
+        </p:nvPicPr>
+        <p:blipFill>
+          <a:blip r:embed="rId2">
+            <a:extLst>
+              <a:ext uri="{28A0092B-C50C-407E-A947-70E740481C1C}">
+                <a14:useLocalDpi xmlns:a14="http://schemas.microsoft.com/office/drawing/2010/main" val="0"/>
+              </a:ext>
+            </a:extLst>
+          </a:blip>
+          <a:stretch>
+            <a:fillRect/>
+          </a:stretch>
+        </p:blipFill>
+        <p:spPr>
+          <a:xfrm>
+            <a:off x="0" y="0"/>
+            <a:ext cx="18288000" cy="10287000"/>
+          </a:xfrm>
+          <a:prstGeom prst="rect">
+            <a:avLst/>
+          </a:prstGeom>
+        </p:spPr>
+      </p:pic>
       <p:sp>
         <p:nvSpPr>
           <p:cNvPr id="2" name="Title 1"/>
@@ -167,15 +192,17 @@
         </p:nvSpPr>
         <p:spPr>
           <a:xfrm>
-            <a:off x="2286000" y="1683544"/>
-            <a:ext cx="13716000" cy="3581400"/>
-          </a:xfrm>
-        </p:spPr>
-        <p:txBody>
-          <a:bodyPr anchor="b"/>
+            <a:off x="2626518" y="1951178"/>
+            <a:ext cx="13034964" cy="3763820"/>
+          </a:xfrm>
+        </p:spPr>
+        <p:txBody>
+          <a:bodyPr anchor="b">
+            <a:normAutofit/>
+          </a:bodyPr>
           <a:lstStyle>
             <a:lvl1pPr algn="ctr">
-              <a:defRPr sz="9000"/>
+              <a:defRPr sz="7200"/>
             </a:lvl1pPr>
           </a:lstStyle>
           <a:p>
@@ -199,16 +226,24 @@
         </p:nvSpPr>
         <p:spPr>
           <a:xfrm>
-            <a:off x="2286000" y="5403057"/>
-            <a:ext cx="13716000" cy="2483643"/>
-          </a:xfrm>
-        </p:spPr>
-        <p:txBody>
-          <a:bodyPr/>
+            <a:off x="2626518" y="5829301"/>
+            <a:ext cx="13034964" cy="2057399"/>
+          </a:xfrm>
+        </p:spPr>
+        <p:txBody>
+          <a:bodyPr>
+            <a:normAutofit/>
+          </a:bodyPr>
           <a:lstStyle>
             <a:lvl1pPr marL="0" indent="0" algn="ctr">
               <a:buNone/>
-              <a:defRPr sz="3600"/>
+              <a:defRPr sz="3300">
+                <a:solidFill>
+                  <a:schemeClr val="bg1">
+                    <a:lumMod val="50000"/>
+                  </a:schemeClr>
+                </a:solidFill>
+              </a:defRPr>
             </a:lvl1pPr>
             <a:lvl2pPr marL="685800" indent="0" algn="ctr">
               <a:buNone/>
@@ -322,7 +357,7 @@
     </p:spTree>
     <p:extLst>
       <p:ext uri="{BB962C8B-B14F-4D97-AF65-F5344CB8AC3E}">
-        <p14:creationId xmlns:p14="http://schemas.microsoft.com/office/powerpoint/2010/main" val="4025259088"/>
+        <p14:creationId xmlns:p14="http://schemas.microsoft.com/office/powerpoint/2010/main" val="2985650417"/>
       </p:ext>
     </p:extLst>
   </p:cSld>
@@ -333,6 +368,2737 @@
 </file>
 
 <file path=ppt/slideLayouts/slideLayout10.xml><?xml version="1.0" encoding="utf-8"?>
+<p:sldLayout xmlns:a="http://schemas.openxmlformats.org/drawingml/2006/main" xmlns:r="http://schemas.openxmlformats.org/officeDocument/2006/relationships" xmlns:p="http://schemas.openxmlformats.org/presentationml/2006/main" preserve="1">
+  <p:cSld name="Panoramic Picture with Caption">
+    <p:spTree>
+      <p:nvGrpSpPr>
+        <p:cNvPr id="1" name=""/>
+        <p:cNvGrpSpPr/>
+        <p:nvPr/>
+      </p:nvGrpSpPr>
+      <p:grpSpPr>
+        <a:xfrm>
+          <a:off x="0" y="0"/>
+          <a:ext cx="0" cy="0"/>
+          <a:chOff x="0" y="0"/>
+          <a:chExt cx="0" cy="0"/>
+        </a:xfrm>
+      </p:grpSpPr>
+      <p:pic>
+        <p:nvPicPr>
+          <p:cNvPr id="10" name="Picture 9" descr="Droplets-HD-Content-R1d.png"/>
+          <p:cNvPicPr>
+            <a:picLocks noChangeAspect="1"/>
+          </p:cNvPicPr>
+          <p:nvPr/>
+        </p:nvPicPr>
+        <p:blipFill>
+          <a:blip r:embed="rId2">
+            <a:extLst>
+              <a:ext uri="{28A0092B-C50C-407E-A947-70E740481C1C}">
+                <a14:useLocalDpi xmlns:a14="http://schemas.microsoft.com/office/drawing/2010/main" val="0"/>
+              </a:ext>
+            </a:extLst>
+          </a:blip>
+          <a:stretch>
+            <a:fillRect/>
+          </a:stretch>
+        </p:blipFill>
+        <p:spPr>
+          <a:xfrm>
+            <a:off x="0" y="0"/>
+            <a:ext cx="18288000" cy="10287000"/>
+          </a:xfrm>
+          <a:prstGeom prst="rect">
+            <a:avLst/>
+          </a:prstGeom>
+        </p:spPr>
+      </p:pic>
+      <p:sp>
+        <p:nvSpPr>
+          <p:cNvPr id="2" name="Title 1"/>
+          <p:cNvSpPr>
+            <a:spLocks noGrp="1"/>
+          </p:cNvSpPr>
+          <p:nvPr>
+            <p:ph type="title"/>
+          </p:nvPr>
+        </p:nvSpPr>
+        <p:spPr>
+          <a:xfrm>
+            <a:off x="1370691" y="6434061"/>
+            <a:ext cx="15546648" cy="1217415"/>
+          </a:xfrm>
+        </p:spPr>
+        <p:txBody>
+          <a:bodyPr anchor="b"/>
+          <a:lstStyle>
+            <a:lvl1pPr>
+              <a:defRPr sz="4800"/>
+            </a:lvl1pPr>
+          </a:lstStyle>
+          <a:p>
+            <a:r>
+              <a:rPr lang="en-US"/>
+              <a:t>Click to edit Master title style</a:t>
+            </a:r>
+            <a:endParaRPr lang="en-US" dirty="0"/>
+          </a:p>
+        </p:txBody>
+      </p:sp>
+      <p:sp>
+        <p:nvSpPr>
+          <p:cNvPr id="3" name="Picture Placeholder 2"/>
+          <p:cNvSpPr>
+            <a:spLocks noGrp="1" noChangeAspect="1"/>
+          </p:cNvSpPr>
+          <p:nvPr>
+            <p:ph type="pic" idx="1"/>
+          </p:nvPr>
+        </p:nvSpPr>
+        <p:spPr>
+          <a:xfrm>
+            <a:off x="1777116" y="1047391"/>
+            <a:ext cx="14733798" cy="4821204"/>
+          </a:xfrm>
+          <a:prstGeom prst="roundRect">
+            <a:avLst>
+              <a:gd name="adj" fmla="val 4944"/>
+            </a:avLst>
+          </a:prstGeom>
+          <a:noFill/>
+          <a:ln w="82550" cap="sq">
+            <a:solidFill>
+              <a:schemeClr val="bg2">
+                <a:lumMod val="60000"/>
+                <a:lumOff val="40000"/>
+              </a:schemeClr>
+            </a:solidFill>
+            <a:miter lim="800000"/>
+          </a:ln>
+          <a:effectLst/>
+          <a:scene3d>
+            <a:camera prst="orthographicFront"/>
+            <a:lightRig rig="threePt" dir="t">
+              <a:rot lat="0" lon="0" rev="2700000"/>
+            </a:lightRig>
+          </a:scene3d>
+          <a:sp3d contourW="6350">
+            <a:bevelT h="38100"/>
+            <a:contourClr>
+              <a:srgbClr val="C0C0C0"/>
+            </a:contourClr>
+          </a:sp3d>
+        </p:spPr>
+        <p:txBody>
+          <a:bodyPr anchor="t"/>
+          <a:lstStyle>
+            <a:lvl1pPr marL="0" indent="0" algn="ctr">
+              <a:buNone/>
+              <a:defRPr sz="4800"/>
+            </a:lvl1pPr>
+            <a:lvl2pPr marL="685800" indent="0">
+              <a:buNone/>
+              <a:defRPr sz="4200"/>
+            </a:lvl2pPr>
+            <a:lvl3pPr marL="1371600" indent="0">
+              <a:buNone/>
+              <a:defRPr sz="3600"/>
+            </a:lvl3pPr>
+            <a:lvl4pPr marL="2057400" indent="0">
+              <a:buNone/>
+              <a:defRPr sz="3000"/>
+            </a:lvl4pPr>
+            <a:lvl5pPr marL="2743200" indent="0">
+              <a:buNone/>
+              <a:defRPr sz="3000"/>
+            </a:lvl5pPr>
+            <a:lvl6pPr marL="3429000" indent="0">
+              <a:buNone/>
+              <a:defRPr sz="3000"/>
+            </a:lvl6pPr>
+            <a:lvl7pPr marL="4114800" indent="0">
+              <a:buNone/>
+              <a:defRPr sz="3000"/>
+            </a:lvl7pPr>
+            <a:lvl8pPr marL="4800600" indent="0">
+              <a:buNone/>
+              <a:defRPr sz="3000"/>
+            </a:lvl8pPr>
+            <a:lvl9pPr marL="5486400" indent="0">
+              <a:buNone/>
+              <a:defRPr sz="3000"/>
+            </a:lvl9pPr>
+          </a:lstStyle>
+          <a:p>
+            <a:r>
+              <a:rPr lang="en-US"/>
+              <a:t>Click icon to add picture</a:t>
+            </a:r>
+            <a:endParaRPr lang="en-US" dirty="0"/>
+          </a:p>
+        </p:txBody>
+      </p:sp>
+      <p:sp>
+        <p:nvSpPr>
+          <p:cNvPr id="4" name="Text Placeholder 3"/>
+          <p:cNvSpPr>
+            <a:spLocks noGrp="1"/>
+          </p:cNvSpPr>
+          <p:nvPr>
+            <p:ph type="body" sz="half" idx="2"/>
+          </p:nvPr>
+        </p:nvSpPr>
+        <p:spPr>
+          <a:xfrm>
+            <a:off x="1370661" y="7663092"/>
+            <a:ext cx="15546678" cy="1023708"/>
+          </a:xfrm>
+        </p:spPr>
+        <p:txBody>
+          <a:bodyPr/>
+          <a:lstStyle>
+            <a:lvl1pPr marL="0" indent="0" algn="ctr">
+              <a:buNone/>
+              <a:defRPr sz="2400"/>
+            </a:lvl1pPr>
+            <a:lvl2pPr marL="685800" indent="0">
+              <a:buNone/>
+              <a:defRPr sz="2100"/>
+            </a:lvl2pPr>
+            <a:lvl3pPr marL="1371600" indent="0">
+              <a:buNone/>
+              <a:defRPr sz="1800"/>
+            </a:lvl3pPr>
+            <a:lvl4pPr marL="2057400" indent="0">
+              <a:buNone/>
+              <a:defRPr sz="1500"/>
+            </a:lvl4pPr>
+            <a:lvl5pPr marL="2743200" indent="0">
+              <a:buNone/>
+              <a:defRPr sz="1500"/>
+            </a:lvl5pPr>
+            <a:lvl6pPr marL="3429000" indent="0">
+              <a:buNone/>
+              <a:defRPr sz="1500"/>
+            </a:lvl6pPr>
+            <a:lvl7pPr marL="4114800" indent="0">
+              <a:buNone/>
+              <a:defRPr sz="1500"/>
+            </a:lvl7pPr>
+            <a:lvl8pPr marL="4800600" indent="0">
+              <a:buNone/>
+              <a:defRPr sz="1500"/>
+            </a:lvl8pPr>
+            <a:lvl9pPr marL="5486400" indent="0">
+              <a:buNone/>
+              <a:defRPr sz="1500"/>
+            </a:lvl9pPr>
+          </a:lstStyle>
+          <a:p>
+            <a:pPr lvl="0"/>
+            <a:r>
+              <a:rPr lang="en-US"/>
+              <a:t>Click to edit Master text styles</a:t>
+            </a:r>
+          </a:p>
+        </p:txBody>
+      </p:sp>
+      <p:sp>
+        <p:nvSpPr>
+          <p:cNvPr id="5" name="Date Placeholder 4"/>
+          <p:cNvSpPr>
+            <a:spLocks noGrp="1"/>
+          </p:cNvSpPr>
+          <p:nvPr>
+            <p:ph type="dt" sz="half" idx="10"/>
+          </p:nvPr>
+        </p:nvSpPr>
+        <p:spPr/>
+        <p:txBody>
+          <a:bodyPr/>
+          <a:lstStyle/>
+          <a:p>
+            <a:fld id="{1D8BD707-D9CF-40AE-B4C6-C98DA3205C09}" type="datetimeFigureOut">
+              <a:rPr lang="en-US" smtClean="0"/>
+              <a:pPr/>
+              <a:t>7/20/23</a:t>
+            </a:fld>
+            <a:endParaRPr lang="en-US"/>
+          </a:p>
+        </p:txBody>
+      </p:sp>
+      <p:sp>
+        <p:nvSpPr>
+          <p:cNvPr id="6" name="Footer Placeholder 5"/>
+          <p:cNvSpPr>
+            <a:spLocks noGrp="1"/>
+          </p:cNvSpPr>
+          <p:nvPr>
+            <p:ph type="ftr" sz="quarter" idx="11"/>
+          </p:nvPr>
+        </p:nvSpPr>
+        <p:spPr/>
+        <p:txBody>
+          <a:bodyPr/>
+          <a:lstStyle/>
+          <a:p>
+            <a:endParaRPr lang="en-US"/>
+          </a:p>
+        </p:txBody>
+      </p:sp>
+      <p:sp>
+        <p:nvSpPr>
+          <p:cNvPr id="7" name="Slide Number Placeholder 6"/>
+          <p:cNvSpPr>
+            <a:spLocks noGrp="1"/>
+          </p:cNvSpPr>
+          <p:nvPr>
+            <p:ph type="sldNum" sz="quarter" idx="12"/>
+          </p:nvPr>
+        </p:nvSpPr>
+        <p:spPr/>
+        <p:txBody>
+          <a:bodyPr/>
+          <a:lstStyle/>
+          <a:p>
+            <a:fld id="{B6F15528-21DE-4FAA-801E-634DDDAF4B2B}" type="slidenum">
+              <a:rPr lang="en-US" smtClean="0"/>
+              <a:pPr/>
+              <a:t>‹#›</a:t>
+            </a:fld>
+            <a:endParaRPr lang="en-US"/>
+          </a:p>
+        </p:txBody>
+      </p:sp>
+    </p:spTree>
+    <p:extLst>
+      <p:ext uri="{BB962C8B-B14F-4D97-AF65-F5344CB8AC3E}">
+        <p14:creationId xmlns:p14="http://schemas.microsoft.com/office/powerpoint/2010/main" val="3421857520"/>
+      </p:ext>
+    </p:extLst>
+  </p:cSld>
+  <p:clrMapOvr>
+    <a:masterClrMapping/>
+  </p:clrMapOvr>
+</p:sldLayout>
+</file>
+
+<file path=ppt/slideLayouts/slideLayout11.xml><?xml version="1.0" encoding="utf-8"?>
+<p:sldLayout xmlns:a="http://schemas.openxmlformats.org/drawingml/2006/main" xmlns:r="http://schemas.openxmlformats.org/officeDocument/2006/relationships" xmlns:p="http://schemas.openxmlformats.org/presentationml/2006/main" preserve="1">
+  <p:cSld name="Title and Caption">
+    <p:spTree>
+      <p:nvGrpSpPr>
+        <p:cNvPr id="1" name=""/>
+        <p:cNvGrpSpPr/>
+        <p:nvPr/>
+      </p:nvGrpSpPr>
+      <p:grpSpPr>
+        <a:xfrm>
+          <a:off x="0" y="0"/>
+          <a:ext cx="0" cy="0"/>
+          <a:chOff x="0" y="0"/>
+          <a:chExt cx="0" cy="0"/>
+        </a:xfrm>
+      </p:grpSpPr>
+      <p:pic>
+        <p:nvPicPr>
+          <p:cNvPr id="8" name="Picture 7" descr="Droplets-HD-Content-R1d.png"/>
+          <p:cNvPicPr>
+            <a:picLocks noChangeAspect="1"/>
+          </p:cNvPicPr>
+          <p:nvPr/>
+        </p:nvPicPr>
+        <p:blipFill>
+          <a:blip r:embed="rId2">
+            <a:extLst>
+              <a:ext uri="{28A0092B-C50C-407E-A947-70E740481C1C}">
+                <a14:useLocalDpi xmlns:a14="http://schemas.microsoft.com/office/drawing/2010/main" val="0"/>
+              </a:ext>
+            </a:extLst>
+          </a:blip>
+          <a:stretch>
+            <a:fillRect/>
+          </a:stretch>
+        </p:blipFill>
+        <p:spPr>
+          <a:xfrm>
+            <a:off x="0" y="0"/>
+            <a:ext cx="18288000" cy="10287000"/>
+          </a:xfrm>
+          <a:prstGeom prst="rect">
+            <a:avLst/>
+          </a:prstGeom>
+        </p:spPr>
+      </p:pic>
+      <p:sp>
+        <p:nvSpPr>
+          <p:cNvPr id="2" name="Title 1"/>
+          <p:cNvSpPr>
+            <a:spLocks noGrp="1"/>
+          </p:cNvSpPr>
+          <p:nvPr>
+            <p:ph type="title"/>
+          </p:nvPr>
+        </p:nvSpPr>
+        <p:spPr>
+          <a:xfrm>
+            <a:off x="1370661" y="914399"/>
+            <a:ext cx="15546678" cy="5140868"/>
+          </a:xfrm>
+        </p:spPr>
+        <p:txBody>
+          <a:bodyPr anchor="ctr"/>
+          <a:lstStyle>
+            <a:lvl1pPr algn="ctr">
+              <a:defRPr sz="4800"/>
+            </a:lvl1pPr>
+          </a:lstStyle>
+          <a:p>
+            <a:r>
+              <a:rPr lang="en-US"/>
+              <a:t>Click to edit Master title style</a:t>
+            </a:r>
+            <a:endParaRPr lang="en-US" dirty="0"/>
+          </a:p>
+        </p:txBody>
+      </p:sp>
+      <p:sp>
+        <p:nvSpPr>
+          <p:cNvPr id="4" name="Text Placeholder 3"/>
+          <p:cNvSpPr>
+            <a:spLocks noGrp="1"/>
+          </p:cNvSpPr>
+          <p:nvPr>
+            <p:ph type="body" sz="half" idx="2"/>
+          </p:nvPr>
+        </p:nvSpPr>
+        <p:spPr>
+          <a:xfrm>
+            <a:off x="1370662" y="6307232"/>
+            <a:ext cx="15546678" cy="2379570"/>
+          </a:xfrm>
+        </p:spPr>
+        <p:txBody>
+          <a:bodyPr anchor="ctr"/>
+          <a:lstStyle>
+            <a:lvl1pPr marL="0" indent="0" algn="ctr">
+              <a:buNone/>
+              <a:defRPr sz="2400"/>
+            </a:lvl1pPr>
+            <a:lvl2pPr marL="685800" indent="0">
+              <a:buNone/>
+              <a:defRPr sz="2100"/>
+            </a:lvl2pPr>
+            <a:lvl3pPr marL="1371600" indent="0">
+              <a:buNone/>
+              <a:defRPr sz="1800"/>
+            </a:lvl3pPr>
+            <a:lvl4pPr marL="2057400" indent="0">
+              <a:buNone/>
+              <a:defRPr sz="1500"/>
+            </a:lvl4pPr>
+            <a:lvl5pPr marL="2743200" indent="0">
+              <a:buNone/>
+              <a:defRPr sz="1500"/>
+            </a:lvl5pPr>
+            <a:lvl6pPr marL="3429000" indent="0">
+              <a:buNone/>
+              <a:defRPr sz="1500"/>
+            </a:lvl6pPr>
+            <a:lvl7pPr marL="4114800" indent="0">
+              <a:buNone/>
+              <a:defRPr sz="1500"/>
+            </a:lvl7pPr>
+            <a:lvl8pPr marL="4800600" indent="0">
+              <a:buNone/>
+              <a:defRPr sz="1500"/>
+            </a:lvl8pPr>
+            <a:lvl9pPr marL="5486400" indent="0">
+              <a:buNone/>
+              <a:defRPr sz="1500"/>
+            </a:lvl9pPr>
+          </a:lstStyle>
+          <a:p>
+            <a:pPr lvl="0"/>
+            <a:r>
+              <a:rPr lang="en-US"/>
+              <a:t>Click to edit Master text styles</a:t>
+            </a:r>
+          </a:p>
+        </p:txBody>
+      </p:sp>
+      <p:sp>
+        <p:nvSpPr>
+          <p:cNvPr id="5" name="Date Placeholder 4"/>
+          <p:cNvSpPr>
+            <a:spLocks noGrp="1"/>
+          </p:cNvSpPr>
+          <p:nvPr>
+            <p:ph type="dt" sz="half" idx="10"/>
+          </p:nvPr>
+        </p:nvSpPr>
+        <p:spPr/>
+        <p:txBody>
+          <a:bodyPr/>
+          <a:lstStyle/>
+          <a:p>
+            <a:fld id="{1D8BD707-D9CF-40AE-B4C6-C98DA3205C09}" type="datetimeFigureOut">
+              <a:rPr lang="en-US" smtClean="0"/>
+              <a:pPr/>
+              <a:t>7/20/23</a:t>
+            </a:fld>
+            <a:endParaRPr lang="en-US"/>
+          </a:p>
+        </p:txBody>
+      </p:sp>
+      <p:sp>
+        <p:nvSpPr>
+          <p:cNvPr id="6" name="Footer Placeholder 5"/>
+          <p:cNvSpPr>
+            <a:spLocks noGrp="1"/>
+          </p:cNvSpPr>
+          <p:nvPr>
+            <p:ph type="ftr" sz="quarter" idx="11"/>
+          </p:nvPr>
+        </p:nvSpPr>
+        <p:spPr/>
+        <p:txBody>
+          <a:bodyPr/>
+          <a:lstStyle/>
+          <a:p>
+            <a:endParaRPr lang="en-US"/>
+          </a:p>
+        </p:txBody>
+      </p:sp>
+      <p:sp>
+        <p:nvSpPr>
+          <p:cNvPr id="7" name="Slide Number Placeholder 6"/>
+          <p:cNvSpPr>
+            <a:spLocks noGrp="1"/>
+          </p:cNvSpPr>
+          <p:nvPr>
+            <p:ph type="sldNum" sz="quarter" idx="12"/>
+          </p:nvPr>
+        </p:nvSpPr>
+        <p:spPr/>
+        <p:txBody>
+          <a:bodyPr/>
+          <a:lstStyle/>
+          <a:p>
+            <a:fld id="{B6F15528-21DE-4FAA-801E-634DDDAF4B2B}" type="slidenum">
+              <a:rPr lang="en-US" smtClean="0"/>
+              <a:pPr/>
+              <a:t>‹#›</a:t>
+            </a:fld>
+            <a:endParaRPr lang="en-US"/>
+          </a:p>
+        </p:txBody>
+      </p:sp>
+    </p:spTree>
+    <p:extLst>
+      <p:ext uri="{BB962C8B-B14F-4D97-AF65-F5344CB8AC3E}">
+        <p14:creationId xmlns:p14="http://schemas.microsoft.com/office/powerpoint/2010/main" val="3958940755"/>
+      </p:ext>
+    </p:extLst>
+  </p:cSld>
+  <p:clrMapOvr>
+    <a:masterClrMapping/>
+  </p:clrMapOvr>
+</p:sldLayout>
+</file>
+
+<file path=ppt/slideLayouts/slideLayout12.xml><?xml version="1.0" encoding="utf-8"?>
+<p:sldLayout xmlns:a="http://schemas.openxmlformats.org/drawingml/2006/main" xmlns:r="http://schemas.openxmlformats.org/officeDocument/2006/relationships" xmlns:p="http://schemas.openxmlformats.org/presentationml/2006/main" preserve="1">
+  <p:cSld name="Quote with Caption">
+    <p:spTree>
+      <p:nvGrpSpPr>
+        <p:cNvPr id="1" name=""/>
+        <p:cNvGrpSpPr/>
+        <p:nvPr/>
+      </p:nvGrpSpPr>
+      <p:grpSpPr>
+        <a:xfrm>
+          <a:off x="0" y="0"/>
+          <a:ext cx="0" cy="0"/>
+          <a:chOff x="0" y="0"/>
+          <a:chExt cx="0" cy="0"/>
+        </a:xfrm>
+      </p:grpSpPr>
+      <p:pic>
+        <p:nvPicPr>
+          <p:cNvPr id="11" name="Picture 10" descr="Droplets-HD-Content-R1d.png"/>
+          <p:cNvPicPr>
+            <a:picLocks noChangeAspect="1"/>
+          </p:cNvPicPr>
+          <p:nvPr/>
+        </p:nvPicPr>
+        <p:blipFill>
+          <a:blip r:embed="rId2">
+            <a:extLst>
+              <a:ext uri="{28A0092B-C50C-407E-A947-70E740481C1C}">
+                <a14:useLocalDpi xmlns:a14="http://schemas.microsoft.com/office/drawing/2010/main" val="0"/>
+              </a:ext>
+            </a:extLst>
+          </a:blip>
+          <a:stretch>
+            <a:fillRect/>
+          </a:stretch>
+        </p:blipFill>
+        <p:spPr>
+          <a:xfrm>
+            <a:off x="0" y="0"/>
+            <a:ext cx="18288000" cy="10287000"/>
+          </a:xfrm>
+          <a:prstGeom prst="rect">
+            <a:avLst/>
+          </a:prstGeom>
+        </p:spPr>
+      </p:pic>
+      <p:sp>
+        <p:nvSpPr>
+          <p:cNvPr id="2" name="Title 1"/>
+          <p:cNvSpPr>
+            <a:spLocks noGrp="1"/>
+          </p:cNvSpPr>
+          <p:nvPr>
+            <p:ph type="title"/>
+          </p:nvPr>
+        </p:nvSpPr>
+        <p:spPr>
+          <a:xfrm>
+            <a:off x="2169318" y="914400"/>
+            <a:ext cx="13954128" cy="4489356"/>
+          </a:xfrm>
+        </p:spPr>
+        <p:txBody>
+          <a:bodyPr anchor="ctr"/>
+          <a:lstStyle>
+            <a:lvl1pPr>
+              <a:defRPr sz="4800"/>
+            </a:lvl1pPr>
+          </a:lstStyle>
+          <a:p>
+            <a:r>
+              <a:rPr lang="en-US"/>
+              <a:t>Click to edit Master title style</a:t>
+            </a:r>
+            <a:endParaRPr lang="en-US" dirty="0"/>
+          </a:p>
+        </p:txBody>
+      </p:sp>
+      <p:sp>
+        <p:nvSpPr>
+          <p:cNvPr id="12" name="Text Placeholder 3"/>
+          <p:cNvSpPr>
+            <a:spLocks noGrp="1"/>
+          </p:cNvSpPr>
+          <p:nvPr>
+            <p:ph type="body" sz="half" idx="13"/>
+          </p:nvPr>
+        </p:nvSpPr>
+        <p:spPr>
+          <a:xfrm>
+            <a:off x="2580966" y="5415048"/>
+            <a:ext cx="13128449" cy="892182"/>
+          </a:xfrm>
+        </p:spPr>
+        <p:txBody>
+          <a:bodyPr anchor="t">
+            <a:normAutofit/>
+          </a:bodyPr>
+          <a:lstStyle>
+            <a:lvl1pPr marL="0" indent="0">
+              <a:buNone/>
+              <a:defRPr sz="2100"/>
+            </a:lvl1pPr>
+            <a:lvl2pPr marL="685800" indent="0">
+              <a:buNone/>
+              <a:defRPr sz="2100"/>
+            </a:lvl2pPr>
+            <a:lvl3pPr marL="1371600" indent="0">
+              <a:buNone/>
+              <a:defRPr sz="1800"/>
+            </a:lvl3pPr>
+            <a:lvl4pPr marL="2057400" indent="0">
+              <a:buNone/>
+              <a:defRPr sz="1500"/>
+            </a:lvl4pPr>
+            <a:lvl5pPr marL="2743200" indent="0">
+              <a:buNone/>
+              <a:defRPr sz="1500"/>
+            </a:lvl5pPr>
+            <a:lvl6pPr marL="3429000" indent="0">
+              <a:buNone/>
+              <a:defRPr sz="1500"/>
+            </a:lvl6pPr>
+            <a:lvl7pPr marL="4114800" indent="0">
+              <a:buNone/>
+              <a:defRPr sz="1500"/>
+            </a:lvl7pPr>
+            <a:lvl8pPr marL="4800600" indent="0">
+              <a:buNone/>
+              <a:defRPr sz="1500"/>
+            </a:lvl8pPr>
+            <a:lvl9pPr marL="5486400" indent="0">
+              <a:buNone/>
+              <a:defRPr sz="1500"/>
+            </a:lvl9pPr>
+          </a:lstStyle>
+          <a:p>
+            <a:pPr lvl="0"/>
+            <a:r>
+              <a:rPr lang="en-US"/>
+              <a:t>Click to edit Master text styles</a:t>
+            </a:r>
+          </a:p>
+        </p:txBody>
+      </p:sp>
+      <p:sp>
+        <p:nvSpPr>
+          <p:cNvPr id="4" name="Text Placeholder 3"/>
+          <p:cNvSpPr>
+            <a:spLocks noGrp="1"/>
+          </p:cNvSpPr>
+          <p:nvPr>
+            <p:ph type="body" sz="half" idx="2"/>
+          </p:nvPr>
+        </p:nvSpPr>
+        <p:spPr>
+          <a:xfrm>
+            <a:off x="1370661" y="6559195"/>
+            <a:ext cx="15546678" cy="2131580"/>
+          </a:xfrm>
+        </p:spPr>
+        <p:txBody>
+          <a:bodyPr anchor="ctr">
+            <a:normAutofit/>
+          </a:bodyPr>
+          <a:lstStyle>
+            <a:lvl1pPr marL="0" indent="0" algn="ctr">
+              <a:buNone/>
+              <a:defRPr sz="2400"/>
+            </a:lvl1pPr>
+            <a:lvl2pPr marL="685800" indent="0">
+              <a:buNone/>
+              <a:defRPr sz="2100"/>
+            </a:lvl2pPr>
+            <a:lvl3pPr marL="1371600" indent="0">
+              <a:buNone/>
+              <a:defRPr sz="1800"/>
+            </a:lvl3pPr>
+            <a:lvl4pPr marL="2057400" indent="0">
+              <a:buNone/>
+              <a:defRPr sz="1500"/>
+            </a:lvl4pPr>
+            <a:lvl5pPr marL="2743200" indent="0">
+              <a:buNone/>
+              <a:defRPr sz="1500"/>
+            </a:lvl5pPr>
+            <a:lvl6pPr marL="3429000" indent="0">
+              <a:buNone/>
+              <a:defRPr sz="1500"/>
+            </a:lvl6pPr>
+            <a:lvl7pPr marL="4114800" indent="0">
+              <a:buNone/>
+              <a:defRPr sz="1500"/>
+            </a:lvl7pPr>
+            <a:lvl8pPr marL="4800600" indent="0">
+              <a:buNone/>
+              <a:defRPr sz="1500"/>
+            </a:lvl8pPr>
+            <a:lvl9pPr marL="5486400" indent="0">
+              <a:buNone/>
+              <a:defRPr sz="1500"/>
+            </a:lvl9pPr>
+          </a:lstStyle>
+          <a:p>
+            <a:pPr lvl="0"/>
+            <a:r>
+              <a:rPr lang="en-US"/>
+              <a:t>Click to edit Master text styles</a:t>
+            </a:r>
+          </a:p>
+        </p:txBody>
+      </p:sp>
+      <p:sp>
+        <p:nvSpPr>
+          <p:cNvPr id="5" name="Date Placeholder 4"/>
+          <p:cNvSpPr>
+            <a:spLocks noGrp="1"/>
+          </p:cNvSpPr>
+          <p:nvPr>
+            <p:ph type="dt" sz="half" idx="10"/>
+          </p:nvPr>
+        </p:nvSpPr>
+        <p:spPr/>
+        <p:txBody>
+          <a:bodyPr/>
+          <a:lstStyle/>
+          <a:p>
+            <a:fld id="{1D8BD707-D9CF-40AE-B4C6-C98DA3205C09}" type="datetimeFigureOut">
+              <a:rPr lang="en-US" smtClean="0"/>
+              <a:pPr/>
+              <a:t>7/20/23</a:t>
+            </a:fld>
+            <a:endParaRPr lang="en-US"/>
+          </a:p>
+        </p:txBody>
+      </p:sp>
+      <p:sp>
+        <p:nvSpPr>
+          <p:cNvPr id="6" name="Footer Placeholder 5"/>
+          <p:cNvSpPr>
+            <a:spLocks noGrp="1"/>
+          </p:cNvSpPr>
+          <p:nvPr>
+            <p:ph type="ftr" sz="quarter" idx="11"/>
+          </p:nvPr>
+        </p:nvSpPr>
+        <p:spPr/>
+        <p:txBody>
+          <a:bodyPr/>
+          <a:lstStyle/>
+          <a:p>
+            <a:endParaRPr lang="en-US"/>
+          </a:p>
+        </p:txBody>
+      </p:sp>
+      <p:sp>
+        <p:nvSpPr>
+          <p:cNvPr id="7" name="Slide Number Placeholder 6"/>
+          <p:cNvSpPr>
+            <a:spLocks noGrp="1"/>
+          </p:cNvSpPr>
+          <p:nvPr>
+            <p:ph type="sldNum" sz="quarter" idx="12"/>
+          </p:nvPr>
+        </p:nvSpPr>
+        <p:spPr/>
+        <p:txBody>
+          <a:bodyPr/>
+          <a:lstStyle/>
+          <a:p>
+            <a:fld id="{B6F15528-21DE-4FAA-801E-634DDDAF4B2B}" type="slidenum">
+              <a:rPr lang="en-US" smtClean="0"/>
+              <a:pPr/>
+              <a:t>‹#›</a:t>
+            </a:fld>
+            <a:endParaRPr lang="en-US"/>
+          </a:p>
+        </p:txBody>
+      </p:sp>
+      <p:sp>
+        <p:nvSpPr>
+          <p:cNvPr id="13" name="TextBox 12"/>
+          <p:cNvSpPr txBox="1"/>
+          <p:nvPr/>
+        </p:nvSpPr>
+        <p:spPr>
+          <a:xfrm>
+            <a:off x="1502232" y="1131249"/>
+            <a:ext cx="914400" cy="877164"/>
+          </a:xfrm>
+          <a:prstGeom prst="rect">
+            <a:avLst/>
+          </a:prstGeom>
+        </p:spPr>
+        <p:txBody>
+          <a:bodyPr vert="horz" lIns="137160" tIns="68580" rIns="137160" bIns="68580" rtlCol="0" anchor="ctr">
+            <a:noAutofit/>
+          </a:bodyPr>
+          <a:lstStyle>
+            <a:lvl1pPr>
+              <a:spcBef>
+                <a:spcPct val="0"/>
+              </a:spcBef>
+              <a:buNone/>
+              <a:defRPr sz="3200" b="0" cap="all">
+                <a:ln w="3175" cmpd="sng">
+                  <a:noFill/>
+                </a:ln>
+                <a:effectLst>
+                  <a:glow rad="38100">
+                    <a:schemeClr val="bg1">
+                      <a:lumMod val="65000"/>
+                      <a:lumOff val="35000"/>
+                      <a:alpha val="40000"/>
+                    </a:schemeClr>
+                  </a:glow>
+                  <a:outerShdw blurRad="28575" dist="38100" dir="14040000" algn="tl" rotWithShape="0">
+                    <a:srgbClr val="000000">
+                      <a:alpha val="25000"/>
+                    </a:srgbClr>
+                  </a:outerShdw>
+                </a:effectLst>
+              </a:defRPr>
+            </a:lvl1pPr>
+            <a:lvl2pPr>
+              <a:defRPr>
+                <a:solidFill>
+                  <a:schemeClr val="tx2"/>
+                </a:solidFill>
+              </a:defRPr>
+            </a:lvl2pPr>
+            <a:lvl3pPr>
+              <a:defRPr>
+                <a:solidFill>
+                  <a:schemeClr val="tx2"/>
+                </a:solidFill>
+              </a:defRPr>
+            </a:lvl3pPr>
+            <a:lvl4pPr>
+              <a:defRPr>
+                <a:solidFill>
+                  <a:schemeClr val="tx2"/>
+                </a:solidFill>
+              </a:defRPr>
+            </a:lvl4pPr>
+            <a:lvl5pPr>
+              <a:defRPr>
+                <a:solidFill>
+                  <a:schemeClr val="tx2"/>
+                </a:solidFill>
+              </a:defRPr>
+            </a:lvl5pPr>
+            <a:lvl6pPr>
+              <a:defRPr>
+                <a:solidFill>
+                  <a:schemeClr val="tx2"/>
+                </a:solidFill>
+              </a:defRPr>
+            </a:lvl6pPr>
+            <a:lvl7pPr>
+              <a:defRPr>
+                <a:solidFill>
+                  <a:schemeClr val="tx2"/>
+                </a:solidFill>
+              </a:defRPr>
+            </a:lvl7pPr>
+            <a:lvl8pPr>
+              <a:defRPr>
+                <a:solidFill>
+                  <a:schemeClr val="tx2"/>
+                </a:solidFill>
+              </a:defRPr>
+            </a:lvl8pPr>
+            <a:lvl9pPr>
+              <a:defRPr>
+                <a:solidFill>
+                  <a:schemeClr val="tx2"/>
+                </a:solidFill>
+              </a:defRPr>
+            </a:lvl9pPr>
+          </a:lstStyle>
+          <a:p>
+            <a:pPr lvl="0"/>
+            <a:r>
+              <a:rPr lang="en-US" sz="12000" dirty="0">
+                <a:solidFill>
+                  <a:schemeClr val="tx1"/>
+                </a:solidFill>
+                <a:effectLst/>
+              </a:rPr>
+              <a:t>“</a:t>
+            </a:r>
+          </a:p>
+        </p:txBody>
+      </p:sp>
+      <p:sp>
+        <p:nvSpPr>
+          <p:cNvPr id="14" name="TextBox 13"/>
+          <p:cNvSpPr txBox="1"/>
+          <p:nvPr/>
+        </p:nvSpPr>
+        <p:spPr>
+          <a:xfrm>
+            <a:off x="15836337" y="4490367"/>
+            <a:ext cx="914400" cy="877164"/>
+          </a:xfrm>
+          <a:prstGeom prst="rect">
+            <a:avLst/>
+          </a:prstGeom>
+        </p:spPr>
+        <p:txBody>
+          <a:bodyPr vert="horz" lIns="137160" tIns="68580" rIns="137160" bIns="68580" rtlCol="0" anchor="ctr">
+            <a:noAutofit/>
+          </a:bodyPr>
+          <a:lstStyle>
+            <a:lvl1pPr>
+              <a:spcBef>
+                <a:spcPct val="0"/>
+              </a:spcBef>
+              <a:buNone/>
+              <a:defRPr sz="3200" b="0" cap="all">
+                <a:ln w="3175" cmpd="sng">
+                  <a:noFill/>
+                </a:ln>
+                <a:effectLst>
+                  <a:glow rad="38100">
+                    <a:schemeClr val="bg1">
+                      <a:lumMod val="65000"/>
+                      <a:lumOff val="35000"/>
+                      <a:alpha val="40000"/>
+                    </a:schemeClr>
+                  </a:glow>
+                  <a:outerShdw blurRad="28575" dist="38100" dir="14040000" algn="tl" rotWithShape="0">
+                    <a:srgbClr val="000000">
+                      <a:alpha val="25000"/>
+                    </a:srgbClr>
+                  </a:outerShdw>
+                </a:effectLst>
+              </a:defRPr>
+            </a:lvl1pPr>
+            <a:lvl2pPr>
+              <a:defRPr>
+                <a:solidFill>
+                  <a:schemeClr val="tx2"/>
+                </a:solidFill>
+              </a:defRPr>
+            </a:lvl2pPr>
+            <a:lvl3pPr>
+              <a:defRPr>
+                <a:solidFill>
+                  <a:schemeClr val="tx2"/>
+                </a:solidFill>
+              </a:defRPr>
+            </a:lvl3pPr>
+            <a:lvl4pPr>
+              <a:defRPr>
+                <a:solidFill>
+                  <a:schemeClr val="tx2"/>
+                </a:solidFill>
+              </a:defRPr>
+            </a:lvl4pPr>
+            <a:lvl5pPr>
+              <a:defRPr>
+                <a:solidFill>
+                  <a:schemeClr val="tx2"/>
+                </a:solidFill>
+              </a:defRPr>
+            </a:lvl5pPr>
+            <a:lvl6pPr>
+              <a:defRPr>
+                <a:solidFill>
+                  <a:schemeClr val="tx2"/>
+                </a:solidFill>
+              </a:defRPr>
+            </a:lvl6pPr>
+            <a:lvl7pPr>
+              <a:defRPr>
+                <a:solidFill>
+                  <a:schemeClr val="tx2"/>
+                </a:solidFill>
+              </a:defRPr>
+            </a:lvl7pPr>
+            <a:lvl8pPr>
+              <a:defRPr>
+                <a:solidFill>
+                  <a:schemeClr val="tx2"/>
+                </a:solidFill>
+              </a:defRPr>
+            </a:lvl8pPr>
+            <a:lvl9pPr>
+              <a:defRPr>
+                <a:solidFill>
+                  <a:schemeClr val="tx2"/>
+                </a:solidFill>
+              </a:defRPr>
+            </a:lvl9pPr>
+          </a:lstStyle>
+          <a:p>
+            <a:pPr lvl="0" algn="r"/>
+            <a:r>
+              <a:rPr lang="en-US" sz="12000" dirty="0">
+                <a:solidFill>
+                  <a:schemeClr val="tx1"/>
+                </a:solidFill>
+                <a:effectLst/>
+              </a:rPr>
+              <a:t>”</a:t>
+            </a:r>
+          </a:p>
+        </p:txBody>
+      </p:sp>
+    </p:spTree>
+    <p:extLst>
+      <p:ext uri="{BB962C8B-B14F-4D97-AF65-F5344CB8AC3E}">
+        <p14:creationId xmlns:p14="http://schemas.microsoft.com/office/powerpoint/2010/main" val="2146635934"/>
+      </p:ext>
+    </p:extLst>
+  </p:cSld>
+  <p:clrMapOvr>
+    <a:masterClrMapping/>
+  </p:clrMapOvr>
+</p:sldLayout>
+</file>
+
+<file path=ppt/slideLayouts/slideLayout13.xml><?xml version="1.0" encoding="utf-8"?>
+<p:sldLayout xmlns:a="http://schemas.openxmlformats.org/drawingml/2006/main" xmlns:r="http://schemas.openxmlformats.org/officeDocument/2006/relationships" xmlns:p="http://schemas.openxmlformats.org/presentationml/2006/main" preserve="1">
+  <p:cSld name="Name Card">
+    <p:spTree>
+      <p:nvGrpSpPr>
+        <p:cNvPr id="1" name=""/>
+        <p:cNvGrpSpPr/>
+        <p:nvPr/>
+      </p:nvGrpSpPr>
+      <p:grpSpPr>
+        <a:xfrm>
+          <a:off x="0" y="0"/>
+          <a:ext cx="0" cy="0"/>
+          <a:chOff x="0" y="0"/>
+          <a:chExt cx="0" cy="0"/>
+        </a:xfrm>
+      </p:grpSpPr>
+      <p:pic>
+        <p:nvPicPr>
+          <p:cNvPr id="8" name="Picture 7" descr="Droplets-HD-Content-R1d.png"/>
+          <p:cNvPicPr>
+            <a:picLocks noChangeAspect="1"/>
+          </p:cNvPicPr>
+          <p:nvPr/>
+        </p:nvPicPr>
+        <p:blipFill>
+          <a:blip r:embed="rId2">
+            <a:extLst>
+              <a:ext uri="{28A0092B-C50C-407E-A947-70E740481C1C}">
+                <a14:useLocalDpi xmlns:a14="http://schemas.microsoft.com/office/drawing/2010/main" val="0"/>
+              </a:ext>
+            </a:extLst>
+          </a:blip>
+          <a:stretch>
+            <a:fillRect/>
+          </a:stretch>
+        </p:blipFill>
+        <p:spPr>
+          <a:xfrm>
+            <a:off x="0" y="0"/>
+            <a:ext cx="18288000" cy="10287000"/>
+          </a:xfrm>
+          <a:prstGeom prst="rect">
+            <a:avLst/>
+          </a:prstGeom>
+        </p:spPr>
+      </p:pic>
+      <p:sp>
+        <p:nvSpPr>
+          <p:cNvPr id="2" name="Title 1"/>
+          <p:cNvSpPr>
+            <a:spLocks noGrp="1"/>
+          </p:cNvSpPr>
+          <p:nvPr>
+            <p:ph type="title"/>
+          </p:nvPr>
+        </p:nvSpPr>
+        <p:spPr>
+          <a:xfrm>
+            <a:off x="1370662" y="3208082"/>
+            <a:ext cx="15546678" cy="3767753"/>
+          </a:xfrm>
+        </p:spPr>
+        <p:txBody>
+          <a:bodyPr anchor="b"/>
+          <a:lstStyle>
+            <a:lvl1pPr algn="ctr">
+              <a:defRPr sz="4800"/>
+            </a:lvl1pPr>
+          </a:lstStyle>
+          <a:p>
+            <a:r>
+              <a:rPr lang="en-US"/>
+              <a:t>Click to edit Master title style</a:t>
+            </a:r>
+            <a:endParaRPr lang="en-US" dirty="0"/>
+          </a:p>
+        </p:txBody>
+      </p:sp>
+      <p:sp>
+        <p:nvSpPr>
+          <p:cNvPr id="4" name="Text Placeholder 3"/>
+          <p:cNvSpPr>
+            <a:spLocks noGrp="1"/>
+          </p:cNvSpPr>
+          <p:nvPr>
+            <p:ph type="body" sz="half" idx="2"/>
+          </p:nvPr>
+        </p:nvSpPr>
+        <p:spPr>
+          <a:xfrm>
+            <a:off x="1370662" y="6993503"/>
+            <a:ext cx="15546678" cy="1710966"/>
+          </a:xfrm>
+        </p:spPr>
+        <p:txBody>
+          <a:bodyPr anchor="t"/>
+          <a:lstStyle>
+            <a:lvl1pPr marL="0" indent="0" algn="ctr">
+              <a:buNone/>
+              <a:defRPr sz="2400"/>
+            </a:lvl1pPr>
+            <a:lvl2pPr marL="685800" indent="0">
+              <a:buNone/>
+              <a:defRPr sz="2100"/>
+            </a:lvl2pPr>
+            <a:lvl3pPr marL="1371600" indent="0">
+              <a:buNone/>
+              <a:defRPr sz="1800"/>
+            </a:lvl3pPr>
+            <a:lvl4pPr marL="2057400" indent="0">
+              <a:buNone/>
+              <a:defRPr sz="1500"/>
+            </a:lvl4pPr>
+            <a:lvl5pPr marL="2743200" indent="0">
+              <a:buNone/>
+              <a:defRPr sz="1500"/>
+            </a:lvl5pPr>
+            <a:lvl6pPr marL="3429000" indent="0">
+              <a:buNone/>
+              <a:defRPr sz="1500"/>
+            </a:lvl6pPr>
+            <a:lvl7pPr marL="4114800" indent="0">
+              <a:buNone/>
+              <a:defRPr sz="1500"/>
+            </a:lvl7pPr>
+            <a:lvl8pPr marL="4800600" indent="0">
+              <a:buNone/>
+              <a:defRPr sz="1500"/>
+            </a:lvl8pPr>
+            <a:lvl9pPr marL="5486400" indent="0">
+              <a:buNone/>
+              <a:defRPr sz="1500"/>
+            </a:lvl9pPr>
+          </a:lstStyle>
+          <a:p>
+            <a:pPr lvl="0"/>
+            <a:r>
+              <a:rPr lang="en-US"/>
+              <a:t>Click to edit Master text styles</a:t>
+            </a:r>
+          </a:p>
+        </p:txBody>
+      </p:sp>
+      <p:sp>
+        <p:nvSpPr>
+          <p:cNvPr id="5" name="Date Placeholder 4"/>
+          <p:cNvSpPr>
+            <a:spLocks noGrp="1"/>
+          </p:cNvSpPr>
+          <p:nvPr>
+            <p:ph type="dt" sz="half" idx="10"/>
+          </p:nvPr>
+        </p:nvSpPr>
+        <p:spPr/>
+        <p:txBody>
+          <a:bodyPr/>
+          <a:lstStyle/>
+          <a:p>
+            <a:fld id="{1D8BD707-D9CF-40AE-B4C6-C98DA3205C09}" type="datetimeFigureOut">
+              <a:rPr lang="en-US" smtClean="0"/>
+              <a:pPr/>
+              <a:t>7/20/23</a:t>
+            </a:fld>
+            <a:endParaRPr lang="en-US"/>
+          </a:p>
+        </p:txBody>
+      </p:sp>
+      <p:sp>
+        <p:nvSpPr>
+          <p:cNvPr id="6" name="Footer Placeholder 5"/>
+          <p:cNvSpPr>
+            <a:spLocks noGrp="1"/>
+          </p:cNvSpPr>
+          <p:nvPr>
+            <p:ph type="ftr" sz="quarter" idx="11"/>
+          </p:nvPr>
+        </p:nvSpPr>
+        <p:spPr/>
+        <p:txBody>
+          <a:bodyPr/>
+          <a:lstStyle/>
+          <a:p>
+            <a:endParaRPr lang="en-US"/>
+          </a:p>
+        </p:txBody>
+      </p:sp>
+      <p:sp>
+        <p:nvSpPr>
+          <p:cNvPr id="7" name="Slide Number Placeholder 6"/>
+          <p:cNvSpPr>
+            <a:spLocks noGrp="1"/>
+          </p:cNvSpPr>
+          <p:nvPr>
+            <p:ph type="sldNum" sz="quarter" idx="12"/>
+          </p:nvPr>
+        </p:nvSpPr>
+        <p:spPr/>
+        <p:txBody>
+          <a:bodyPr/>
+          <a:lstStyle/>
+          <a:p>
+            <a:fld id="{B6F15528-21DE-4FAA-801E-634DDDAF4B2B}" type="slidenum">
+              <a:rPr lang="en-US" smtClean="0"/>
+              <a:pPr/>
+              <a:t>‹#›</a:t>
+            </a:fld>
+            <a:endParaRPr lang="en-US"/>
+          </a:p>
+        </p:txBody>
+      </p:sp>
+    </p:spTree>
+    <p:extLst>
+      <p:ext uri="{BB962C8B-B14F-4D97-AF65-F5344CB8AC3E}">
+        <p14:creationId xmlns:p14="http://schemas.microsoft.com/office/powerpoint/2010/main" val="1437002366"/>
+      </p:ext>
+    </p:extLst>
+  </p:cSld>
+  <p:clrMapOvr>
+    <a:masterClrMapping/>
+  </p:clrMapOvr>
+</p:sldLayout>
+</file>
+
+<file path=ppt/slideLayouts/slideLayout14.xml><?xml version="1.0" encoding="utf-8"?>
+<p:sldLayout xmlns:a="http://schemas.openxmlformats.org/drawingml/2006/main" xmlns:r="http://schemas.openxmlformats.org/officeDocument/2006/relationships" xmlns:p="http://schemas.openxmlformats.org/presentationml/2006/main" preserve="1">
+  <p:cSld name="3 Column">
+    <p:spTree>
+      <p:nvGrpSpPr>
+        <p:cNvPr id="1" name=""/>
+        <p:cNvGrpSpPr/>
+        <p:nvPr/>
+      </p:nvGrpSpPr>
+      <p:grpSpPr>
+        <a:xfrm>
+          <a:off x="0" y="0"/>
+          <a:ext cx="0" cy="0"/>
+          <a:chOff x="0" y="0"/>
+          <a:chExt cx="0" cy="0"/>
+        </a:xfrm>
+      </p:grpSpPr>
+      <p:pic>
+        <p:nvPicPr>
+          <p:cNvPr id="13" name="Picture 12" descr="Droplets-HD-Content-R1d.png"/>
+          <p:cNvPicPr>
+            <a:picLocks noChangeAspect="1"/>
+          </p:cNvPicPr>
+          <p:nvPr/>
+        </p:nvPicPr>
+        <p:blipFill>
+          <a:blip r:embed="rId2">
+            <a:extLst>
+              <a:ext uri="{28A0092B-C50C-407E-A947-70E740481C1C}">
+                <a14:useLocalDpi xmlns:a14="http://schemas.microsoft.com/office/drawing/2010/main" val="0"/>
+              </a:ext>
+            </a:extLst>
+          </a:blip>
+          <a:stretch>
+            <a:fillRect/>
+          </a:stretch>
+        </p:blipFill>
+        <p:spPr>
+          <a:xfrm>
+            <a:off x="0" y="0"/>
+            <a:ext cx="18288000" cy="10287000"/>
+          </a:xfrm>
+          <a:prstGeom prst="rect">
+            <a:avLst/>
+          </a:prstGeom>
+        </p:spPr>
+      </p:pic>
+      <p:sp>
+        <p:nvSpPr>
+          <p:cNvPr id="15" name="Title 1"/>
+          <p:cNvSpPr>
+            <a:spLocks noGrp="1"/>
+          </p:cNvSpPr>
+          <p:nvPr>
+            <p:ph type="title"/>
+          </p:nvPr>
+        </p:nvSpPr>
+        <p:spPr>
+          <a:xfrm>
+            <a:off x="1370661" y="914400"/>
+            <a:ext cx="15546678" cy="2407641"/>
+          </a:xfrm>
+        </p:spPr>
+        <p:txBody>
+          <a:bodyPr/>
+          <a:lstStyle/>
+          <a:p>
+            <a:r>
+              <a:rPr lang="en-US"/>
+              <a:t>Click to edit Master title style</a:t>
+            </a:r>
+            <a:endParaRPr lang="en-US" dirty="0"/>
+          </a:p>
+        </p:txBody>
+      </p:sp>
+      <p:sp>
+        <p:nvSpPr>
+          <p:cNvPr id="7" name="Text Placeholder 2"/>
+          <p:cNvSpPr>
+            <a:spLocks noGrp="1"/>
+          </p:cNvSpPr>
+          <p:nvPr>
+            <p:ph type="body" idx="1"/>
+          </p:nvPr>
+        </p:nvSpPr>
+        <p:spPr>
+          <a:xfrm>
+            <a:off x="1370661" y="3550640"/>
+            <a:ext cx="4948464" cy="864393"/>
+          </a:xfrm>
+        </p:spPr>
+        <p:txBody>
+          <a:bodyPr anchor="b">
+            <a:noAutofit/>
+          </a:bodyPr>
+          <a:lstStyle>
+            <a:lvl1pPr marL="0" indent="0" algn="ctr">
+              <a:lnSpc>
+                <a:spcPct val="85000"/>
+              </a:lnSpc>
+              <a:buNone/>
+              <a:defRPr sz="3600" b="0">
+                <a:solidFill>
+                  <a:schemeClr val="tx1"/>
+                </a:solidFill>
+              </a:defRPr>
+            </a:lvl1pPr>
+            <a:lvl2pPr marL="685800" indent="0">
+              <a:buNone/>
+              <a:defRPr sz="3000" b="1"/>
+            </a:lvl2pPr>
+            <a:lvl3pPr marL="1371600" indent="0">
+              <a:buNone/>
+              <a:defRPr sz="2700" b="1"/>
+            </a:lvl3pPr>
+            <a:lvl4pPr marL="2057400" indent="0">
+              <a:buNone/>
+              <a:defRPr sz="2400" b="1"/>
+            </a:lvl4pPr>
+            <a:lvl5pPr marL="2743200" indent="0">
+              <a:buNone/>
+              <a:defRPr sz="2400" b="1"/>
+            </a:lvl5pPr>
+            <a:lvl6pPr marL="3429000" indent="0">
+              <a:buNone/>
+              <a:defRPr sz="2400" b="1"/>
+            </a:lvl6pPr>
+            <a:lvl7pPr marL="4114800" indent="0">
+              <a:buNone/>
+              <a:defRPr sz="2400" b="1"/>
+            </a:lvl7pPr>
+            <a:lvl8pPr marL="4800600" indent="0">
+              <a:buNone/>
+              <a:defRPr sz="2400" b="1"/>
+            </a:lvl8pPr>
+            <a:lvl9pPr marL="5486400" indent="0">
+              <a:buNone/>
+              <a:defRPr sz="2400" b="1"/>
+            </a:lvl9pPr>
+          </a:lstStyle>
+          <a:p>
+            <a:pPr lvl="0"/>
+            <a:r>
+              <a:rPr lang="en-US"/>
+              <a:t>Click to edit Master text styles</a:t>
+            </a:r>
+          </a:p>
+        </p:txBody>
+      </p:sp>
+      <p:sp>
+        <p:nvSpPr>
+          <p:cNvPr id="8" name="Text Placeholder 3"/>
+          <p:cNvSpPr>
+            <a:spLocks noGrp="1"/>
+          </p:cNvSpPr>
+          <p:nvPr>
+            <p:ph type="body" sz="half" idx="15"/>
+          </p:nvPr>
+        </p:nvSpPr>
+        <p:spPr>
+          <a:xfrm>
+            <a:off x="1370661" y="4415033"/>
+            <a:ext cx="4948464" cy="4271768"/>
+          </a:xfrm>
+        </p:spPr>
+        <p:txBody>
+          <a:bodyPr anchor="t">
+            <a:normAutofit/>
+          </a:bodyPr>
+          <a:lstStyle>
+            <a:lvl1pPr marL="0" indent="0" algn="ctr">
+              <a:buNone/>
+              <a:defRPr sz="2100"/>
+            </a:lvl1pPr>
+            <a:lvl2pPr marL="685800" indent="0">
+              <a:buNone/>
+              <a:defRPr sz="1800"/>
+            </a:lvl2pPr>
+            <a:lvl3pPr marL="1371600" indent="0">
+              <a:buNone/>
+              <a:defRPr sz="1500"/>
+            </a:lvl3pPr>
+            <a:lvl4pPr marL="2057400" indent="0">
+              <a:buNone/>
+              <a:defRPr sz="1350"/>
+            </a:lvl4pPr>
+            <a:lvl5pPr marL="2743200" indent="0">
+              <a:buNone/>
+              <a:defRPr sz="1350"/>
+            </a:lvl5pPr>
+            <a:lvl6pPr marL="3429000" indent="0">
+              <a:buNone/>
+              <a:defRPr sz="1350"/>
+            </a:lvl6pPr>
+            <a:lvl7pPr marL="4114800" indent="0">
+              <a:buNone/>
+              <a:defRPr sz="1350"/>
+            </a:lvl7pPr>
+            <a:lvl8pPr marL="4800600" indent="0">
+              <a:buNone/>
+              <a:defRPr sz="1350"/>
+            </a:lvl8pPr>
+            <a:lvl9pPr marL="5486400" indent="0">
+              <a:buNone/>
+              <a:defRPr sz="1350"/>
+            </a:lvl9pPr>
+          </a:lstStyle>
+          <a:p>
+            <a:pPr lvl="0"/>
+            <a:r>
+              <a:rPr lang="en-US"/>
+              <a:t>Click to edit Master text styles</a:t>
+            </a:r>
+          </a:p>
+        </p:txBody>
+      </p:sp>
+      <p:sp>
+        <p:nvSpPr>
+          <p:cNvPr id="9" name="Text Placeholder 4"/>
+          <p:cNvSpPr>
+            <a:spLocks noGrp="1"/>
+          </p:cNvSpPr>
+          <p:nvPr>
+            <p:ph type="body" sz="quarter" idx="3"/>
+          </p:nvPr>
+        </p:nvSpPr>
+        <p:spPr>
+          <a:xfrm>
+            <a:off x="6678584" y="3550640"/>
+            <a:ext cx="4937282" cy="864393"/>
+          </a:xfrm>
+        </p:spPr>
+        <p:txBody>
+          <a:bodyPr anchor="b">
+            <a:noAutofit/>
+          </a:bodyPr>
+          <a:lstStyle>
+            <a:lvl1pPr marL="0" indent="0" algn="ctr">
+              <a:lnSpc>
+                <a:spcPct val="85000"/>
+              </a:lnSpc>
+              <a:buNone/>
+              <a:defRPr sz="3600" b="0">
+                <a:solidFill>
+                  <a:schemeClr val="tx1"/>
+                </a:solidFill>
+              </a:defRPr>
+            </a:lvl1pPr>
+            <a:lvl2pPr marL="685800" indent="0">
+              <a:buNone/>
+              <a:defRPr sz="3000" b="1"/>
+            </a:lvl2pPr>
+            <a:lvl3pPr marL="1371600" indent="0">
+              <a:buNone/>
+              <a:defRPr sz="2700" b="1"/>
+            </a:lvl3pPr>
+            <a:lvl4pPr marL="2057400" indent="0">
+              <a:buNone/>
+              <a:defRPr sz="2400" b="1"/>
+            </a:lvl4pPr>
+            <a:lvl5pPr marL="2743200" indent="0">
+              <a:buNone/>
+              <a:defRPr sz="2400" b="1"/>
+            </a:lvl5pPr>
+            <a:lvl6pPr marL="3429000" indent="0">
+              <a:buNone/>
+              <a:defRPr sz="2400" b="1"/>
+            </a:lvl6pPr>
+            <a:lvl7pPr marL="4114800" indent="0">
+              <a:buNone/>
+              <a:defRPr sz="2400" b="1"/>
+            </a:lvl7pPr>
+            <a:lvl8pPr marL="4800600" indent="0">
+              <a:buNone/>
+              <a:defRPr sz="2400" b="1"/>
+            </a:lvl8pPr>
+            <a:lvl9pPr marL="5486400" indent="0">
+              <a:buNone/>
+              <a:defRPr sz="2400" b="1"/>
+            </a:lvl9pPr>
+          </a:lstStyle>
+          <a:p>
+            <a:pPr lvl="0"/>
+            <a:r>
+              <a:rPr lang="en-US"/>
+              <a:t>Click to edit Master text styles</a:t>
+            </a:r>
+          </a:p>
+        </p:txBody>
+      </p:sp>
+      <p:sp>
+        <p:nvSpPr>
+          <p:cNvPr id="10" name="Text Placeholder 3"/>
+          <p:cNvSpPr>
+            <a:spLocks noGrp="1"/>
+          </p:cNvSpPr>
+          <p:nvPr>
+            <p:ph type="body" sz="half" idx="16"/>
+          </p:nvPr>
+        </p:nvSpPr>
+        <p:spPr>
+          <a:xfrm>
+            <a:off x="6662023" y="4415033"/>
+            <a:ext cx="4955027" cy="4271768"/>
+          </a:xfrm>
+        </p:spPr>
+        <p:txBody>
+          <a:bodyPr anchor="t">
+            <a:normAutofit/>
+          </a:bodyPr>
+          <a:lstStyle>
+            <a:lvl1pPr marL="0" indent="0" algn="ctr">
+              <a:buNone/>
+              <a:defRPr sz="2100"/>
+            </a:lvl1pPr>
+            <a:lvl2pPr marL="685800" indent="0">
+              <a:buNone/>
+              <a:defRPr sz="1800"/>
+            </a:lvl2pPr>
+            <a:lvl3pPr marL="1371600" indent="0">
+              <a:buNone/>
+              <a:defRPr sz="1500"/>
+            </a:lvl3pPr>
+            <a:lvl4pPr marL="2057400" indent="0">
+              <a:buNone/>
+              <a:defRPr sz="1350"/>
+            </a:lvl4pPr>
+            <a:lvl5pPr marL="2743200" indent="0">
+              <a:buNone/>
+              <a:defRPr sz="1350"/>
+            </a:lvl5pPr>
+            <a:lvl6pPr marL="3429000" indent="0">
+              <a:buNone/>
+              <a:defRPr sz="1350"/>
+            </a:lvl6pPr>
+            <a:lvl7pPr marL="4114800" indent="0">
+              <a:buNone/>
+              <a:defRPr sz="1350"/>
+            </a:lvl7pPr>
+            <a:lvl8pPr marL="4800600" indent="0">
+              <a:buNone/>
+              <a:defRPr sz="1350"/>
+            </a:lvl8pPr>
+            <a:lvl9pPr marL="5486400" indent="0">
+              <a:buNone/>
+              <a:defRPr sz="1350"/>
+            </a:lvl9pPr>
+          </a:lstStyle>
+          <a:p>
+            <a:pPr lvl="0"/>
+            <a:r>
+              <a:rPr lang="en-US"/>
+              <a:t>Click to edit Master text styles</a:t>
+            </a:r>
+          </a:p>
+        </p:txBody>
+      </p:sp>
+      <p:sp>
+        <p:nvSpPr>
+          <p:cNvPr id="11" name="Text Placeholder 4"/>
+          <p:cNvSpPr>
+            <a:spLocks noGrp="1"/>
+          </p:cNvSpPr>
+          <p:nvPr>
+            <p:ph type="body" sz="quarter" idx="13"/>
+          </p:nvPr>
+        </p:nvSpPr>
+        <p:spPr>
+          <a:xfrm>
+            <a:off x="11959947" y="3550640"/>
+            <a:ext cx="4957392" cy="864393"/>
+          </a:xfrm>
+        </p:spPr>
+        <p:txBody>
+          <a:bodyPr anchor="b">
+            <a:noAutofit/>
+          </a:bodyPr>
+          <a:lstStyle>
+            <a:lvl1pPr marL="0" indent="0" algn="ctr">
+              <a:lnSpc>
+                <a:spcPct val="85000"/>
+              </a:lnSpc>
+              <a:buNone/>
+              <a:defRPr sz="3600" b="0">
+                <a:solidFill>
+                  <a:schemeClr val="tx1"/>
+                </a:solidFill>
+              </a:defRPr>
+            </a:lvl1pPr>
+            <a:lvl2pPr marL="685800" indent="0">
+              <a:buNone/>
+              <a:defRPr sz="3000" b="1"/>
+            </a:lvl2pPr>
+            <a:lvl3pPr marL="1371600" indent="0">
+              <a:buNone/>
+              <a:defRPr sz="2700" b="1"/>
+            </a:lvl3pPr>
+            <a:lvl4pPr marL="2057400" indent="0">
+              <a:buNone/>
+              <a:defRPr sz="2400" b="1"/>
+            </a:lvl4pPr>
+            <a:lvl5pPr marL="2743200" indent="0">
+              <a:buNone/>
+              <a:defRPr sz="2400" b="1"/>
+            </a:lvl5pPr>
+            <a:lvl6pPr marL="3429000" indent="0">
+              <a:buNone/>
+              <a:defRPr sz="2400" b="1"/>
+            </a:lvl6pPr>
+            <a:lvl7pPr marL="4114800" indent="0">
+              <a:buNone/>
+              <a:defRPr sz="2400" b="1"/>
+            </a:lvl7pPr>
+            <a:lvl8pPr marL="4800600" indent="0">
+              <a:buNone/>
+              <a:defRPr sz="2400" b="1"/>
+            </a:lvl8pPr>
+            <a:lvl9pPr marL="5486400" indent="0">
+              <a:buNone/>
+              <a:defRPr sz="2400" b="1"/>
+            </a:lvl9pPr>
+          </a:lstStyle>
+          <a:p>
+            <a:pPr lvl="0"/>
+            <a:r>
+              <a:rPr lang="en-US"/>
+              <a:t>Click to edit Master text styles</a:t>
+            </a:r>
+          </a:p>
+        </p:txBody>
+      </p:sp>
+      <p:sp>
+        <p:nvSpPr>
+          <p:cNvPr id="12" name="Text Placeholder 3"/>
+          <p:cNvSpPr>
+            <a:spLocks noGrp="1"/>
+          </p:cNvSpPr>
+          <p:nvPr>
+            <p:ph type="body" sz="half" idx="17"/>
+          </p:nvPr>
+        </p:nvSpPr>
+        <p:spPr>
+          <a:xfrm>
+            <a:off x="11959947" y="4415033"/>
+            <a:ext cx="4957392" cy="4271768"/>
+          </a:xfrm>
+        </p:spPr>
+        <p:txBody>
+          <a:bodyPr anchor="t">
+            <a:normAutofit/>
+          </a:bodyPr>
+          <a:lstStyle>
+            <a:lvl1pPr marL="0" indent="0" algn="ctr">
+              <a:buNone/>
+              <a:defRPr sz="2100"/>
+            </a:lvl1pPr>
+            <a:lvl2pPr marL="685800" indent="0">
+              <a:buNone/>
+              <a:defRPr sz="1800"/>
+            </a:lvl2pPr>
+            <a:lvl3pPr marL="1371600" indent="0">
+              <a:buNone/>
+              <a:defRPr sz="1500"/>
+            </a:lvl3pPr>
+            <a:lvl4pPr marL="2057400" indent="0">
+              <a:buNone/>
+              <a:defRPr sz="1350"/>
+            </a:lvl4pPr>
+            <a:lvl5pPr marL="2743200" indent="0">
+              <a:buNone/>
+              <a:defRPr sz="1350"/>
+            </a:lvl5pPr>
+            <a:lvl6pPr marL="3429000" indent="0">
+              <a:buNone/>
+              <a:defRPr sz="1350"/>
+            </a:lvl6pPr>
+            <a:lvl7pPr marL="4114800" indent="0">
+              <a:buNone/>
+              <a:defRPr sz="1350"/>
+            </a:lvl7pPr>
+            <a:lvl8pPr marL="4800600" indent="0">
+              <a:buNone/>
+              <a:defRPr sz="1350"/>
+            </a:lvl8pPr>
+            <a:lvl9pPr marL="5486400" indent="0">
+              <a:buNone/>
+              <a:defRPr sz="1350"/>
+            </a:lvl9pPr>
+          </a:lstStyle>
+          <a:p>
+            <a:pPr lvl="0"/>
+            <a:r>
+              <a:rPr lang="en-US"/>
+              <a:t>Click to edit Master text styles</a:t>
+            </a:r>
+          </a:p>
+        </p:txBody>
+      </p:sp>
+      <p:sp>
+        <p:nvSpPr>
+          <p:cNvPr id="3" name="Date Placeholder 2"/>
+          <p:cNvSpPr>
+            <a:spLocks noGrp="1"/>
+          </p:cNvSpPr>
+          <p:nvPr>
+            <p:ph type="dt" sz="half" idx="10"/>
+          </p:nvPr>
+        </p:nvSpPr>
+        <p:spPr/>
+        <p:txBody>
+          <a:bodyPr/>
+          <a:lstStyle/>
+          <a:p>
+            <a:fld id="{1D8BD707-D9CF-40AE-B4C6-C98DA3205C09}" type="datetimeFigureOut">
+              <a:rPr lang="en-US" smtClean="0"/>
+              <a:pPr/>
+              <a:t>7/20/23</a:t>
+            </a:fld>
+            <a:endParaRPr lang="en-US"/>
+          </a:p>
+        </p:txBody>
+      </p:sp>
+      <p:sp>
+        <p:nvSpPr>
+          <p:cNvPr id="4" name="Footer Placeholder 3"/>
+          <p:cNvSpPr>
+            <a:spLocks noGrp="1"/>
+          </p:cNvSpPr>
+          <p:nvPr>
+            <p:ph type="ftr" sz="quarter" idx="11"/>
+          </p:nvPr>
+        </p:nvSpPr>
+        <p:spPr/>
+        <p:txBody>
+          <a:bodyPr/>
+          <a:lstStyle/>
+          <a:p>
+            <a:endParaRPr lang="en-US"/>
+          </a:p>
+        </p:txBody>
+      </p:sp>
+      <p:sp>
+        <p:nvSpPr>
+          <p:cNvPr id="5" name="Slide Number Placeholder 4"/>
+          <p:cNvSpPr>
+            <a:spLocks noGrp="1"/>
+          </p:cNvSpPr>
+          <p:nvPr>
+            <p:ph type="sldNum" sz="quarter" idx="12"/>
+          </p:nvPr>
+        </p:nvSpPr>
+        <p:spPr/>
+        <p:txBody>
+          <a:bodyPr/>
+          <a:lstStyle/>
+          <a:p>
+            <a:fld id="{B6F15528-21DE-4FAA-801E-634DDDAF4B2B}" type="slidenum">
+              <a:rPr lang="en-US" smtClean="0"/>
+              <a:pPr/>
+              <a:t>‹#›</a:t>
+            </a:fld>
+            <a:endParaRPr lang="en-US"/>
+          </a:p>
+        </p:txBody>
+      </p:sp>
+    </p:spTree>
+    <p:extLst>
+      <p:ext uri="{BB962C8B-B14F-4D97-AF65-F5344CB8AC3E}">
+        <p14:creationId xmlns:p14="http://schemas.microsoft.com/office/powerpoint/2010/main" val="1733474909"/>
+      </p:ext>
+    </p:extLst>
+  </p:cSld>
+  <p:clrMapOvr>
+    <a:masterClrMapping/>
+  </p:clrMapOvr>
+</p:sldLayout>
+</file>
+
+<file path=ppt/slideLayouts/slideLayout15.xml><?xml version="1.0" encoding="utf-8"?>
+<p:sldLayout xmlns:a="http://schemas.openxmlformats.org/drawingml/2006/main" xmlns:r="http://schemas.openxmlformats.org/officeDocument/2006/relationships" xmlns:p="http://schemas.openxmlformats.org/presentationml/2006/main" preserve="1">
+  <p:cSld name="3 Picture Column">
+    <p:spTree>
+      <p:nvGrpSpPr>
+        <p:cNvPr id="1" name=""/>
+        <p:cNvGrpSpPr/>
+        <p:nvPr/>
+      </p:nvGrpSpPr>
+      <p:grpSpPr>
+        <a:xfrm>
+          <a:off x="0" y="0"/>
+          <a:ext cx="0" cy="0"/>
+          <a:chOff x="0" y="0"/>
+          <a:chExt cx="0" cy="0"/>
+        </a:xfrm>
+      </p:grpSpPr>
+      <p:pic>
+        <p:nvPicPr>
+          <p:cNvPr id="16" name="Picture 15" descr="Droplets-HD-Content-R1d.png"/>
+          <p:cNvPicPr>
+            <a:picLocks noChangeAspect="1"/>
+          </p:cNvPicPr>
+          <p:nvPr/>
+        </p:nvPicPr>
+        <p:blipFill>
+          <a:blip r:embed="rId2">
+            <a:extLst>
+              <a:ext uri="{28A0092B-C50C-407E-A947-70E740481C1C}">
+                <a14:useLocalDpi xmlns:a14="http://schemas.microsoft.com/office/drawing/2010/main" val="0"/>
+              </a:ext>
+            </a:extLst>
+          </a:blip>
+          <a:stretch>
+            <a:fillRect/>
+          </a:stretch>
+        </p:blipFill>
+        <p:spPr>
+          <a:xfrm>
+            <a:off x="0" y="0"/>
+            <a:ext cx="18288000" cy="10287000"/>
+          </a:xfrm>
+          <a:prstGeom prst="rect">
+            <a:avLst/>
+          </a:prstGeom>
+        </p:spPr>
+      </p:pic>
+      <p:sp>
+        <p:nvSpPr>
+          <p:cNvPr id="30" name="Title 1"/>
+          <p:cNvSpPr>
+            <a:spLocks noGrp="1"/>
+          </p:cNvSpPr>
+          <p:nvPr>
+            <p:ph type="title"/>
+          </p:nvPr>
+        </p:nvSpPr>
+        <p:spPr>
+          <a:xfrm>
+            <a:off x="1370661" y="916158"/>
+            <a:ext cx="15546678" cy="2405883"/>
+          </a:xfrm>
+        </p:spPr>
+        <p:txBody>
+          <a:bodyPr/>
+          <a:lstStyle/>
+          <a:p>
+            <a:r>
+              <a:rPr lang="en-US"/>
+              <a:t>Click to edit Master title style</a:t>
+            </a:r>
+            <a:endParaRPr lang="en-US" dirty="0"/>
+          </a:p>
+        </p:txBody>
+      </p:sp>
+      <p:sp>
+        <p:nvSpPr>
+          <p:cNvPr id="19" name="Text Placeholder 2"/>
+          <p:cNvSpPr>
+            <a:spLocks noGrp="1"/>
+          </p:cNvSpPr>
+          <p:nvPr>
+            <p:ph type="body" idx="1"/>
+          </p:nvPr>
+        </p:nvSpPr>
+        <p:spPr>
+          <a:xfrm>
+            <a:off x="1370662" y="6307230"/>
+            <a:ext cx="4944614" cy="864393"/>
+          </a:xfrm>
+        </p:spPr>
+        <p:txBody>
+          <a:bodyPr anchor="b">
+            <a:noAutofit/>
+          </a:bodyPr>
+          <a:lstStyle>
+            <a:lvl1pPr marL="0" indent="0" algn="ctr">
+              <a:lnSpc>
+                <a:spcPct val="85000"/>
+              </a:lnSpc>
+              <a:buNone/>
+              <a:defRPr sz="3300" b="0">
+                <a:solidFill>
+                  <a:schemeClr val="tx1"/>
+                </a:solidFill>
+              </a:defRPr>
+            </a:lvl1pPr>
+            <a:lvl2pPr marL="685800" indent="0">
+              <a:buNone/>
+              <a:defRPr sz="3000" b="1"/>
+            </a:lvl2pPr>
+            <a:lvl3pPr marL="1371600" indent="0">
+              <a:buNone/>
+              <a:defRPr sz="2700" b="1"/>
+            </a:lvl3pPr>
+            <a:lvl4pPr marL="2057400" indent="0">
+              <a:buNone/>
+              <a:defRPr sz="2400" b="1"/>
+            </a:lvl4pPr>
+            <a:lvl5pPr marL="2743200" indent="0">
+              <a:buNone/>
+              <a:defRPr sz="2400" b="1"/>
+            </a:lvl5pPr>
+            <a:lvl6pPr marL="3429000" indent="0">
+              <a:buNone/>
+              <a:defRPr sz="2400" b="1"/>
+            </a:lvl6pPr>
+            <a:lvl7pPr marL="4114800" indent="0">
+              <a:buNone/>
+              <a:defRPr sz="2400" b="1"/>
+            </a:lvl7pPr>
+            <a:lvl8pPr marL="4800600" indent="0">
+              <a:buNone/>
+              <a:defRPr sz="2400" b="1"/>
+            </a:lvl8pPr>
+            <a:lvl9pPr marL="5486400" indent="0">
+              <a:buNone/>
+              <a:defRPr sz="2400" b="1"/>
+            </a:lvl9pPr>
+          </a:lstStyle>
+          <a:p>
+            <a:pPr lvl="0"/>
+            <a:r>
+              <a:rPr lang="en-US"/>
+              <a:t>Click to edit Master text styles</a:t>
+            </a:r>
+          </a:p>
+        </p:txBody>
+      </p:sp>
+      <p:sp>
+        <p:nvSpPr>
+          <p:cNvPr id="20" name="Picture Placeholder 2"/>
+          <p:cNvSpPr>
+            <a:spLocks noGrp="1" noChangeAspect="1"/>
+          </p:cNvSpPr>
+          <p:nvPr>
+            <p:ph type="pic" idx="15"/>
+          </p:nvPr>
+        </p:nvSpPr>
+        <p:spPr>
+          <a:xfrm>
+            <a:off x="1370662" y="3550640"/>
+            <a:ext cx="4944614" cy="2286000"/>
+          </a:xfrm>
+          <a:prstGeom prst="roundRect">
+            <a:avLst>
+              <a:gd name="adj" fmla="val 9363"/>
+            </a:avLst>
+          </a:prstGeom>
+          <a:noFill/>
+          <a:ln w="82550" cap="sq">
+            <a:solidFill>
+              <a:schemeClr val="bg2">
+                <a:lumMod val="60000"/>
+                <a:lumOff val="40000"/>
+              </a:schemeClr>
+            </a:solidFill>
+            <a:miter lim="800000"/>
+          </a:ln>
+          <a:effectLst/>
+          <a:scene3d>
+            <a:camera prst="orthographicFront"/>
+            <a:lightRig rig="threePt" dir="t">
+              <a:rot lat="0" lon="0" rev="2700000"/>
+            </a:lightRig>
+          </a:scene3d>
+          <a:sp3d contourW="6350">
+            <a:bevelT h="38100"/>
+            <a:contourClr>
+              <a:srgbClr val="C0C0C0"/>
+            </a:contourClr>
+          </a:sp3d>
+        </p:spPr>
+        <p:txBody>
+          <a:bodyPr anchor="t">
+            <a:normAutofit/>
+          </a:bodyPr>
+          <a:lstStyle>
+            <a:lvl1pPr marL="0" indent="0" algn="ctr">
+              <a:buNone/>
+              <a:defRPr sz="2400"/>
+            </a:lvl1pPr>
+            <a:lvl2pPr marL="685800" indent="0">
+              <a:buNone/>
+              <a:defRPr sz="2400"/>
+            </a:lvl2pPr>
+            <a:lvl3pPr marL="1371600" indent="0">
+              <a:buNone/>
+              <a:defRPr sz="2400"/>
+            </a:lvl3pPr>
+            <a:lvl4pPr marL="2057400" indent="0">
+              <a:buNone/>
+              <a:defRPr sz="2400"/>
+            </a:lvl4pPr>
+            <a:lvl5pPr marL="2743200" indent="0">
+              <a:buNone/>
+              <a:defRPr sz="2400"/>
+            </a:lvl5pPr>
+            <a:lvl6pPr marL="3429000" indent="0">
+              <a:buNone/>
+              <a:defRPr sz="2400"/>
+            </a:lvl6pPr>
+            <a:lvl7pPr marL="4114800" indent="0">
+              <a:buNone/>
+              <a:defRPr sz="2400"/>
+            </a:lvl7pPr>
+            <a:lvl8pPr marL="4800600" indent="0">
+              <a:buNone/>
+              <a:defRPr sz="2400"/>
+            </a:lvl8pPr>
+            <a:lvl9pPr marL="5486400" indent="0">
+              <a:buNone/>
+              <a:defRPr sz="2400"/>
+            </a:lvl9pPr>
+          </a:lstStyle>
+          <a:p>
+            <a:r>
+              <a:rPr lang="en-US"/>
+              <a:t>Click icon to add picture</a:t>
+            </a:r>
+            <a:endParaRPr lang="en-US" dirty="0"/>
+          </a:p>
+        </p:txBody>
+      </p:sp>
+      <p:sp>
+        <p:nvSpPr>
+          <p:cNvPr id="21" name="Text Placeholder 3"/>
+          <p:cNvSpPr>
+            <a:spLocks noGrp="1"/>
+          </p:cNvSpPr>
+          <p:nvPr>
+            <p:ph type="body" sz="half" idx="18"/>
+          </p:nvPr>
+        </p:nvSpPr>
+        <p:spPr>
+          <a:xfrm>
+            <a:off x="1370662" y="7171623"/>
+            <a:ext cx="4944614" cy="1515177"/>
+          </a:xfrm>
+        </p:spPr>
+        <p:txBody>
+          <a:bodyPr anchor="t">
+            <a:normAutofit/>
+          </a:bodyPr>
+          <a:lstStyle>
+            <a:lvl1pPr marL="0" indent="0" algn="ctr">
+              <a:buNone/>
+              <a:defRPr sz="2100"/>
+            </a:lvl1pPr>
+            <a:lvl2pPr marL="685800" indent="0">
+              <a:buNone/>
+              <a:defRPr sz="1800"/>
+            </a:lvl2pPr>
+            <a:lvl3pPr marL="1371600" indent="0">
+              <a:buNone/>
+              <a:defRPr sz="1500"/>
+            </a:lvl3pPr>
+            <a:lvl4pPr marL="2057400" indent="0">
+              <a:buNone/>
+              <a:defRPr sz="1350"/>
+            </a:lvl4pPr>
+            <a:lvl5pPr marL="2743200" indent="0">
+              <a:buNone/>
+              <a:defRPr sz="1350"/>
+            </a:lvl5pPr>
+            <a:lvl6pPr marL="3429000" indent="0">
+              <a:buNone/>
+              <a:defRPr sz="1350"/>
+            </a:lvl6pPr>
+            <a:lvl7pPr marL="4114800" indent="0">
+              <a:buNone/>
+              <a:defRPr sz="1350"/>
+            </a:lvl7pPr>
+            <a:lvl8pPr marL="4800600" indent="0">
+              <a:buNone/>
+              <a:defRPr sz="1350"/>
+            </a:lvl8pPr>
+            <a:lvl9pPr marL="5486400" indent="0">
+              <a:buNone/>
+              <a:defRPr sz="1350"/>
+            </a:lvl9pPr>
+          </a:lstStyle>
+          <a:p>
+            <a:pPr lvl="0"/>
+            <a:r>
+              <a:rPr lang="en-US"/>
+              <a:t>Click to edit Master text styles</a:t>
+            </a:r>
+          </a:p>
+        </p:txBody>
+      </p:sp>
+      <p:sp>
+        <p:nvSpPr>
+          <p:cNvPr id="22" name="Text Placeholder 4"/>
+          <p:cNvSpPr>
+            <a:spLocks noGrp="1"/>
+          </p:cNvSpPr>
+          <p:nvPr>
+            <p:ph type="body" sz="quarter" idx="3"/>
+          </p:nvPr>
+        </p:nvSpPr>
+        <p:spPr>
+          <a:xfrm>
+            <a:off x="6664139" y="6307230"/>
+            <a:ext cx="4952742" cy="864393"/>
+          </a:xfrm>
+        </p:spPr>
+        <p:txBody>
+          <a:bodyPr anchor="b">
+            <a:noAutofit/>
+          </a:bodyPr>
+          <a:lstStyle>
+            <a:lvl1pPr marL="0" indent="0" algn="ctr">
+              <a:lnSpc>
+                <a:spcPct val="85000"/>
+              </a:lnSpc>
+              <a:buNone/>
+              <a:defRPr sz="3300" b="0">
+                <a:solidFill>
+                  <a:schemeClr val="tx1"/>
+                </a:solidFill>
+              </a:defRPr>
+            </a:lvl1pPr>
+            <a:lvl2pPr marL="685800" indent="0">
+              <a:buNone/>
+              <a:defRPr sz="3000" b="1"/>
+            </a:lvl2pPr>
+            <a:lvl3pPr marL="1371600" indent="0">
+              <a:buNone/>
+              <a:defRPr sz="2700" b="1"/>
+            </a:lvl3pPr>
+            <a:lvl4pPr marL="2057400" indent="0">
+              <a:buNone/>
+              <a:defRPr sz="2400" b="1"/>
+            </a:lvl4pPr>
+            <a:lvl5pPr marL="2743200" indent="0">
+              <a:buNone/>
+              <a:defRPr sz="2400" b="1"/>
+            </a:lvl5pPr>
+            <a:lvl6pPr marL="3429000" indent="0">
+              <a:buNone/>
+              <a:defRPr sz="2400" b="1"/>
+            </a:lvl6pPr>
+            <a:lvl7pPr marL="4114800" indent="0">
+              <a:buNone/>
+              <a:defRPr sz="2400" b="1"/>
+            </a:lvl7pPr>
+            <a:lvl8pPr marL="4800600" indent="0">
+              <a:buNone/>
+              <a:defRPr sz="2400" b="1"/>
+            </a:lvl8pPr>
+            <a:lvl9pPr marL="5486400" indent="0">
+              <a:buNone/>
+              <a:defRPr sz="2400" b="1"/>
+            </a:lvl9pPr>
+          </a:lstStyle>
+          <a:p>
+            <a:pPr lvl="0"/>
+            <a:r>
+              <a:rPr lang="en-US"/>
+              <a:t>Click to edit Master text styles</a:t>
+            </a:r>
+          </a:p>
+        </p:txBody>
+      </p:sp>
+      <p:sp>
+        <p:nvSpPr>
+          <p:cNvPr id="23" name="Picture Placeholder 2"/>
+          <p:cNvSpPr>
+            <a:spLocks noGrp="1" noChangeAspect="1"/>
+          </p:cNvSpPr>
+          <p:nvPr>
+            <p:ph type="pic" idx="21"/>
+          </p:nvPr>
+        </p:nvSpPr>
+        <p:spPr>
+          <a:xfrm>
+            <a:off x="6662022" y="3550640"/>
+            <a:ext cx="4955028" cy="2286000"/>
+          </a:xfrm>
+          <a:prstGeom prst="roundRect">
+            <a:avLst>
+              <a:gd name="adj" fmla="val 8841"/>
+            </a:avLst>
+          </a:prstGeom>
+          <a:noFill/>
+          <a:ln w="82550" cap="sq">
+            <a:solidFill>
+              <a:schemeClr val="bg2">
+                <a:lumMod val="60000"/>
+                <a:lumOff val="40000"/>
+              </a:schemeClr>
+            </a:solidFill>
+            <a:miter lim="800000"/>
+          </a:ln>
+          <a:effectLst/>
+          <a:scene3d>
+            <a:camera prst="orthographicFront"/>
+            <a:lightRig rig="threePt" dir="t">
+              <a:rot lat="0" lon="0" rev="2700000"/>
+            </a:lightRig>
+          </a:scene3d>
+          <a:sp3d contourW="6350">
+            <a:bevelT h="38100"/>
+            <a:contourClr>
+              <a:srgbClr val="C0C0C0"/>
+            </a:contourClr>
+          </a:sp3d>
+        </p:spPr>
+        <p:txBody>
+          <a:bodyPr anchor="t">
+            <a:normAutofit/>
+          </a:bodyPr>
+          <a:lstStyle>
+            <a:lvl1pPr marL="0" indent="0" algn="ctr">
+              <a:buNone/>
+              <a:defRPr sz="2400"/>
+            </a:lvl1pPr>
+            <a:lvl2pPr marL="685800" indent="0">
+              <a:buNone/>
+              <a:defRPr sz="2400"/>
+            </a:lvl2pPr>
+            <a:lvl3pPr marL="1371600" indent="0">
+              <a:buNone/>
+              <a:defRPr sz="2400"/>
+            </a:lvl3pPr>
+            <a:lvl4pPr marL="2057400" indent="0">
+              <a:buNone/>
+              <a:defRPr sz="2400"/>
+            </a:lvl4pPr>
+            <a:lvl5pPr marL="2743200" indent="0">
+              <a:buNone/>
+              <a:defRPr sz="2400"/>
+            </a:lvl5pPr>
+            <a:lvl6pPr marL="3429000" indent="0">
+              <a:buNone/>
+              <a:defRPr sz="2400"/>
+            </a:lvl6pPr>
+            <a:lvl7pPr marL="4114800" indent="0">
+              <a:buNone/>
+              <a:defRPr sz="2400"/>
+            </a:lvl7pPr>
+            <a:lvl8pPr marL="4800600" indent="0">
+              <a:buNone/>
+              <a:defRPr sz="2400"/>
+            </a:lvl8pPr>
+            <a:lvl9pPr marL="5486400" indent="0">
+              <a:buNone/>
+              <a:defRPr sz="2400"/>
+            </a:lvl9pPr>
+          </a:lstStyle>
+          <a:p>
+            <a:r>
+              <a:rPr lang="en-US"/>
+              <a:t>Click icon to add picture</a:t>
+            </a:r>
+            <a:endParaRPr lang="en-US" dirty="0"/>
+          </a:p>
+        </p:txBody>
+      </p:sp>
+      <p:sp>
+        <p:nvSpPr>
+          <p:cNvPr id="24" name="Text Placeholder 3"/>
+          <p:cNvSpPr>
+            <a:spLocks noGrp="1"/>
+          </p:cNvSpPr>
+          <p:nvPr>
+            <p:ph type="body" sz="half" idx="19"/>
+          </p:nvPr>
+        </p:nvSpPr>
+        <p:spPr>
+          <a:xfrm>
+            <a:off x="6662022" y="7171621"/>
+            <a:ext cx="4955028" cy="1515179"/>
+          </a:xfrm>
+        </p:spPr>
+        <p:txBody>
+          <a:bodyPr anchor="t">
+            <a:normAutofit/>
+          </a:bodyPr>
+          <a:lstStyle>
+            <a:lvl1pPr marL="0" indent="0" algn="ctr">
+              <a:buNone/>
+              <a:defRPr sz="2100"/>
+            </a:lvl1pPr>
+            <a:lvl2pPr marL="685800" indent="0">
+              <a:buNone/>
+              <a:defRPr sz="1800"/>
+            </a:lvl2pPr>
+            <a:lvl3pPr marL="1371600" indent="0">
+              <a:buNone/>
+              <a:defRPr sz="1500"/>
+            </a:lvl3pPr>
+            <a:lvl4pPr marL="2057400" indent="0">
+              <a:buNone/>
+              <a:defRPr sz="1350"/>
+            </a:lvl4pPr>
+            <a:lvl5pPr marL="2743200" indent="0">
+              <a:buNone/>
+              <a:defRPr sz="1350"/>
+            </a:lvl5pPr>
+            <a:lvl6pPr marL="3429000" indent="0">
+              <a:buNone/>
+              <a:defRPr sz="1350"/>
+            </a:lvl6pPr>
+            <a:lvl7pPr marL="4114800" indent="0">
+              <a:buNone/>
+              <a:defRPr sz="1350"/>
+            </a:lvl7pPr>
+            <a:lvl8pPr marL="4800600" indent="0">
+              <a:buNone/>
+              <a:defRPr sz="1350"/>
+            </a:lvl8pPr>
+            <a:lvl9pPr marL="5486400" indent="0">
+              <a:buNone/>
+              <a:defRPr sz="1350"/>
+            </a:lvl9pPr>
+          </a:lstStyle>
+          <a:p>
+            <a:pPr lvl="0"/>
+            <a:r>
+              <a:rPr lang="en-US"/>
+              <a:t>Click to edit Master text styles</a:t>
+            </a:r>
+          </a:p>
+        </p:txBody>
+      </p:sp>
+      <p:sp>
+        <p:nvSpPr>
+          <p:cNvPr id="25" name="Text Placeholder 4"/>
+          <p:cNvSpPr>
+            <a:spLocks noGrp="1"/>
+          </p:cNvSpPr>
+          <p:nvPr>
+            <p:ph type="body" sz="quarter" idx="13"/>
+          </p:nvPr>
+        </p:nvSpPr>
+        <p:spPr>
+          <a:xfrm>
+            <a:off x="11959948" y="6307230"/>
+            <a:ext cx="4951022" cy="864393"/>
+          </a:xfrm>
+        </p:spPr>
+        <p:txBody>
+          <a:bodyPr anchor="b">
+            <a:noAutofit/>
+          </a:bodyPr>
+          <a:lstStyle>
+            <a:lvl1pPr marL="0" indent="0" algn="ctr">
+              <a:lnSpc>
+                <a:spcPct val="85000"/>
+              </a:lnSpc>
+              <a:buNone/>
+              <a:defRPr sz="3300" b="0">
+                <a:solidFill>
+                  <a:schemeClr val="tx1"/>
+                </a:solidFill>
+              </a:defRPr>
+            </a:lvl1pPr>
+            <a:lvl2pPr marL="685800" indent="0">
+              <a:buNone/>
+              <a:defRPr sz="3000" b="1"/>
+            </a:lvl2pPr>
+            <a:lvl3pPr marL="1371600" indent="0">
+              <a:buNone/>
+              <a:defRPr sz="2700" b="1"/>
+            </a:lvl3pPr>
+            <a:lvl4pPr marL="2057400" indent="0">
+              <a:buNone/>
+              <a:defRPr sz="2400" b="1"/>
+            </a:lvl4pPr>
+            <a:lvl5pPr marL="2743200" indent="0">
+              <a:buNone/>
+              <a:defRPr sz="2400" b="1"/>
+            </a:lvl5pPr>
+            <a:lvl6pPr marL="3429000" indent="0">
+              <a:buNone/>
+              <a:defRPr sz="2400" b="1"/>
+            </a:lvl6pPr>
+            <a:lvl7pPr marL="4114800" indent="0">
+              <a:buNone/>
+              <a:defRPr sz="2400" b="1"/>
+            </a:lvl7pPr>
+            <a:lvl8pPr marL="4800600" indent="0">
+              <a:buNone/>
+              <a:defRPr sz="2400" b="1"/>
+            </a:lvl8pPr>
+            <a:lvl9pPr marL="5486400" indent="0">
+              <a:buNone/>
+              <a:defRPr sz="2400" b="1"/>
+            </a:lvl9pPr>
+          </a:lstStyle>
+          <a:p>
+            <a:pPr lvl="0"/>
+            <a:r>
+              <a:rPr lang="en-US"/>
+              <a:t>Click to edit Master text styles</a:t>
+            </a:r>
+          </a:p>
+        </p:txBody>
+      </p:sp>
+      <p:sp>
+        <p:nvSpPr>
+          <p:cNvPr id="26" name="Picture Placeholder 2"/>
+          <p:cNvSpPr>
+            <a:spLocks noGrp="1" noChangeAspect="1"/>
+          </p:cNvSpPr>
+          <p:nvPr>
+            <p:ph type="pic" idx="22"/>
+          </p:nvPr>
+        </p:nvSpPr>
+        <p:spPr>
+          <a:xfrm>
+            <a:off x="11959947" y="3550640"/>
+            <a:ext cx="4957392" cy="2286000"/>
+          </a:xfrm>
+          <a:prstGeom prst="roundRect">
+            <a:avLst>
+              <a:gd name="adj" fmla="val 8841"/>
+            </a:avLst>
+          </a:prstGeom>
+          <a:noFill/>
+          <a:ln w="82550" cap="sq">
+            <a:solidFill>
+              <a:schemeClr val="bg2">
+                <a:lumMod val="60000"/>
+                <a:lumOff val="40000"/>
+              </a:schemeClr>
+            </a:solidFill>
+            <a:miter lim="800000"/>
+          </a:ln>
+          <a:effectLst/>
+          <a:scene3d>
+            <a:camera prst="orthographicFront"/>
+            <a:lightRig rig="threePt" dir="t">
+              <a:rot lat="0" lon="0" rev="2700000"/>
+            </a:lightRig>
+          </a:scene3d>
+          <a:sp3d contourW="6350">
+            <a:bevelT h="38100"/>
+            <a:contourClr>
+              <a:srgbClr val="C0C0C0"/>
+            </a:contourClr>
+          </a:sp3d>
+        </p:spPr>
+        <p:txBody>
+          <a:bodyPr anchor="t">
+            <a:normAutofit/>
+          </a:bodyPr>
+          <a:lstStyle>
+            <a:lvl1pPr marL="0" indent="0" algn="ctr">
+              <a:buNone/>
+              <a:defRPr sz="2400"/>
+            </a:lvl1pPr>
+            <a:lvl2pPr marL="685800" indent="0">
+              <a:buNone/>
+              <a:defRPr sz="2400"/>
+            </a:lvl2pPr>
+            <a:lvl3pPr marL="1371600" indent="0">
+              <a:buNone/>
+              <a:defRPr sz="2400"/>
+            </a:lvl3pPr>
+            <a:lvl4pPr marL="2057400" indent="0">
+              <a:buNone/>
+              <a:defRPr sz="2400"/>
+            </a:lvl4pPr>
+            <a:lvl5pPr marL="2743200" indent="0">
+              <a:buNone/>
+              <a:defRPr sz="2400"/>
+            </a:lvl5pPr>
+            <a:lvl6pPr marL="3429000" indent="0">
+              <a:buNone/>
+              <a:defRPr sz="2400"/>
+            </a:lvl6pPr>
+            <a:lvl7pPr marL="4114800" indent="0">
+              <a:buNone/>
+              <a:defRPr sz="2400"/>
+            </a:lvl7pPr>
+            <a:lvl8pPr marL="4800600" indent="0">
+              <a:buNone/>
+              <a:defRPr sz="2400"/>
+            </a:lvl8pPr>
+            <a:lvl9pPr marL="5486400" indent="0">
+              <a:buNone/>
+              <a:defRPr sz="2400"/>
+            </a:lvl9pPr>
+          </a:lstStyle>
+          <a:p>
+            <a:r>
+              <a:rPr lang="en-US"/>
+              <a:t>Click icon to add picture</a:t>
+            </a:r>
+            <a:endParaRPr lang="en-US" dirty="0"/>
+          </a:p>
+        </p:txBody>
+      </p:sp>
+      <p:sp>
+        <p:nvSpPr>
+          <p:cNvPr id="27" name="Text Placeholder 3"/>
+          <p:cNvSpPr>
+            <a:spLocks noGrp="1"/>
+          </p:cNvSpPr>
+          <p:nvPr>
+            <p:ph type="body" sz="half" idx="20"/>
+          </p:nvPr>
+        </p:nvSpPr>
+        <p:spPr>
+          <a:xfrm>
+            <a:off x="11959760" y="7171618"/>
+            <a:ext cx="4957580" cy="1515182"/>
+          </a:xfrm>
+        </p:spPr>
+        <p:txBody>
+          <a:bodyPr anchor="t">
+            <a:normAutofit/>
+          </a:bodyPr>
+          <a:lstStyle>
+            <a:lvl1pPr marL="0" indent="0" algn="ctr">
+              <a:buNone/>
+              <a:defRPr sz="2100"/>
+            </a:lvl1pPr>
+            <a:lvl2pPr marL="685800" indent="0">
+              <a:buNone/>
+              <a:defRPr sz="1800"/>
+            </a:lvl2pPr>
+            <a:lvl3pPr marL="1371600" indent="0">
+              <a:buNone/>
+              <a:defRPr sz="1500"/>
+            </a:lvl3pPr>
+            <a:lvl4pPr marL="2057400" indent="0">
+              <a:buNone/>
+              <a:defRPr sz="1350"/>
+            </a:lvl4pPr>
+            <a:lvl5pPr marL="2743200" indent="0">
+              <a:buNone/>
+              <a:defRPr sz="1350"/>
+            </a:lvl5pPr>
+            <a:lvl6pPr marL="3429000" indent="0">
+              <a:buNone/>
+              <a:defRPr sz="1350"/>
+            </a:lvl6pPr>
+            <a:lvl7pPr marL="4114800" indent="0">
+              <a:buNone/>
+              <a:defRPr sz="1350"/>
+            </a:lvl7pPr>
+            <a:lvl8pPr marL="4800600" indent="0">
+              <a:buNone/>
+              <a:defRPr sz="1350"/>
+            </a:lvl8pPr>
+            <a:lvl9pPr marL="5486400" indent="0">
+              <a:buNone/>
+              <a:defRPr sz="1350"/>
+            </a:lvl9pPr>
+          </a:lstStyle>
+          <a:p>
+            <a:pPr lvl="0"/>
+            <a:r>
+              <a:rPr lang="en-US"/>
+              <a:t>Click to edit Master text styles</a:t>
+            </a:r>
+          </a:p>
+        </p:txBody>
+      </p:sp>
+      <p:sp>
+        <p:nvSpPr>
+          <p:cNvPr id="3" name="Date Placeholder 2"/>
+          <p:cNvSpPr>
+            <a:spLocks noGrp="1"/>
+          </p:cNvSpPr>
+          <p:nvPr>
+            <p:ph type="dt" sz="half" idx="10"/>
+          </p:nvPr>
+        </p:nvSpPr>
+        <p:spPr/>
+        <p:txBody>
+          <a:bodyPr/>
+          <a:lstStyle/>
+          <a:p>
+            <a:fld id="{1D8BD707-D9CF-40AE-B4C6-C98DA3205C09}" type="datetimeFigureOut">
+              <a:rPr lang="en-US" smtClean="0"/>
+              <a:pPr/>
+              <a:t>7/20/23</a:t>
+            </a:fld>
+            <a:endParaRPr lang="en-US"/>
+          </a:p>
+        </p:txBody>
+      </p:sp>
+      <p:sp>
+        <p:nvSpPr>
+          <p:cNvPr id="4" name="Footer Placeholder 3"/>
+          <p:cNvSpPr>
+            <a:spLocks noGrp="1"/>
+          </p:cNvSpPr>
+          <p:nvPr>
+            <p:ph type="ftr" sz="quarter" idx="11"/>
+          </p:nvPr>
+        </p:nvSpPr>
+        <p:spPr/>
+        <p:txBody>
+          <a:bodyPr/>
+          <a:lstStyle/>
+          <a:p>
+            <a:endParaRPr lang="en-US"/>
+          </a:p>
+        </p:txBody>
+      </p:sp>
+      <p:sp>
+        <p:nvSpPr>
+          <p:cNvPr id="5" name="Slide Number Placeholder 4"/>
+          <p:cNvSpPr>
+            <a:spLocks noGrp="1"/>
+          </p:cNvSpPr>
+          <p:nvPr>
+            <p:ph type="sldNum" sz="quarter" idx="12"/>
+          </p:nvPr>
+        </p:nvSpPr>
+        <p:spPr/>
+        <p:txBody>
+          <a:bodyPr/>
+          <a:lstStyle/>
+          <a:p>
+            <a:fld id="{B6F15528-21DE-4FAA-801E-634DDDAF4B2B}" type="slidenum">
+              <a:rPr lang="en-US" smtClean="0"/>
+              <a:pPr/>
+              <a:t>‹#›</a:t>
+            </a:fld>
+            <a:endParaRPr lang="en-US"/>
+          </a:p>
+        </p:txBody>
+      </p:sp>
+    </p:spTree>
+    <p:extLst>
+      <p:ext uri="{BB962C8B-B14F-4D97-AF65-F5344CB8AC3E}">
+        <p14:creationId xmlns:p14="http://schemas.microsoft.com/office/powerpoint/2010/main" val="2010575912"/>
+      </p:ext>
+    </p:extLst>
+  </p:cSld>
+  <p:clrMapOvr>
+    <a:masterClrMapping/>
+  </p:clrMapOvr>
+</p:sldLayout>
+</file>
+
+<file path=ppt/slideLayouts/slideLayout16.xml><?xml version="1.0" encoding="utf-8"?>
 <p:sldLayout xmlns:a="http://schemas.openxmlformats.org/drawingml/2006/main" xmlns:r="http://schemas.openxmlformats.org/officeDocument/2006/relationships" xmlns:p="http://schemas.openxmlformats.org/presentationml/2006/main" type="vertTx" preserve="1">
   <p:cSld name="Title and Vertical Text">
     <p:spTree>
@@ -349,6 +3115,36 @@
           <a:chExt cx="0" cy="0"/>
         </a:xfrm>
       </p:grpSpPr>
+      <p:pic>
+        <p:nvPicPr>
+          <p:cNvPr id="8" name="Picture 7" descr="Droplets-HD-Content-R1d.png"/>
+          <p:cNvPicPr>
+            <a:picLocks noChangeAspect="1"/>
+          </p:cNvPicPr>
+          <p:nvPr/>
+        </p:nvPicPr>
+        <p:blipFill>
+          <a:blip r:embed="rId2">
+            <a:extLst>
+              <a:ext uri="{28A0092B-C50C-407E-A947-70E740481C1C}">
+                <a14:useLocalDpi xmlns:a14="http://schemas.microsoft.com/office/drawing/2010/main" val="0"/>
+              </a:ext>
+            </a:extLst>
+          </a:blip>
+          <a:stretch>
+            <a:fillRect/>
+          </a:stretch>
+        </p:blipFill>
+        <p:spPr>
+          <a:xfrm>
+            <a:off x="0" y="0"/>
+            <a:ext cx="18288000" cy="10287000"/>
+          </a:xfrm>
+          <a:prstGeom prst="rect">
+            <a:avLst/>
+          </a:prstGeom>
+        </p:spPr>
+      </p:pic>
       <p:sp>
         <p:nvSpPr>
           <p:cNvPr id="2" name="Title 1"/>
@@ -374,15 +3170,20 @@
       </p:sp>
       <p:sp>
         <p:nvSpPr>
-          <p:cNvPr id="3" name="Vertical Text Placeholder 2"/>
-          <p:cNvSpPr>
-            <a:spLocks noGrp="1"/>
-          </p:cNvSpPr>
-          <p:nvPr>
-            <p:ph type="body" orient="vert" idx="1"/>
-          </p:nvPr>
-        </p:nvSpPr>
-        <p:spPr/>
+          <p:cNvPr id="11" name="Vertical Text Placeholder 2"/>
+          <p:cNvSpPr>
+            <a:spLocks noGrp="1"/>
+          </p:cNvSpPr>
+          <p:nvPr>
+            <p:ph type="body" orient="vert" sz="quarter" idx="13"/>
+          </p:nvPr>
+        </p:nvSpPr>
+        <p:spPr>
+          <a:xfrm>
+            <a:off x="1370662" y="3550640"/>
+            <a:ext cx="15546678" cy="5136161"/>
+          </a:xfrm>
+        </p:spPr>
         <p:txBody>
           <a:bodyPr vert="eaVert"/>
           <a:lstStyle/>
@@ -494,7 +3295,7 @@
     </p:spTree>
     <p:extLst>
       <p:ext uri="{BB962C8B-B14F-4D97-AF65-F5344CB8AC3E}">
-        <p14:creationId xmlns:p14="http://schemas.microsoft.com/office/powerpoint/2010/main" val="3620151200"/>
+        <p14:creationId xmlns:p14="http://schemas.microsoft.com/office/powerpoint/2010/main" val="1540318206"/>
       </p:ext>
     </p:extLst>
   </p:cSld>
@@ -504,7 +3305,7 @@
 </p:sldLayout>
 </file>
 
-<file path=ppt/slideLayouts/slideLayout11.xml><?xml version="1.0" encoding="utf-8"?>
+<file path=ppt/slideLayouts/slideLayout17.xml><?xml version="1.0" encoding="utf-8"?>
 <p:sldLayout xmlns:a="http://schemas.openxmlformats.org/drawingml/2006/main" xmlns:r="http://schemas.openxmlformats.org/officeDocument/2006/relationships" xmlns:p="http://schemas.openxmlformats.org/presentationml/2006/main" type="vertTitleAndTx" preserve="1">
   <p:cSld name="Vertical Title and Text">
     <p:spTree>
@@ -521,6 +3322,36 @@
           <a:chExt cx="0" cy="0"/>
         </a:xfrm>
       </p:grpSpPr>
+      <p:pic>
+        <p:nvPicPr>
+          <p:cNvPr id="9" name="Picture 8" descr="Droplets-HD-Content-R1d.png"/>
+          <p:cNvPicPr>
+            <a:picLocks noChangeAspect="1"/>
+          </p:cNvPicPr>
+          <p:nvPr/>
+        </p:nvPicPr>
+        <p:blipFill>
+          <a:blip r:embed="rId2">
+            <a:extLst>
+              <a:ext uri="{28A0092B-C50C-407E-A947-70E740481C1C}">
+                <a14:useLocalDpi xmlns:a14="http://schemas.microsoft.com/office/drawing/2010/main" val="0"/>
+              </a:ext>
+            </a:extLst>
+          </a:blip>
+          <a:stretch>
+            <a:fillRect/>
+          </a:stretch>
+        </p:blipFill>
+        <p:spPr>
+          <a:xfrm>
+            <a:off x="0" y="0"/>
+            <a:ext cx="18288000" cy="10287000"/>
+          </a:xfrm>
+          <a:prstGeom prst="rect">
+            <a:avLst/>
+          </a:prstGeom>
+        </p:spPr>
+      </p:pic>
       <p:sp>
         <p:nvSpPr>
           <p:cNvPr id="2" name="Vertical Title 1"/>
@@ -533,13 +3364,17 @@
         </p:nvSpPr>
         <p:spPr>
           <a:xfrm>
-            <a:off x="13087350" y="547687"/>
-            <a:ext cx="3943350" cy="8717757"/>
+            <a:off x="13087350" y="914402"/>
+            <a:ext cx="3829989" cy="7772399"/>
           </a:xfrm>
         </p:spPr>
         <p:txBody>
           <a:bodyPr vert="eaVert"/>
-          <a:lstStyle/>
+          <a:lstStyle>
+            <a:lvl1pPr algn="l">
+              <a:defRPr/>
+            </a:lvl1pPr>
+          </a:lstStyle>
           <a:p>
             <a:r>
               <a:rPr lang="en-US"/>
@@ -551,18 +3386,18 @@
       </p:sp>
       <p:sp>
         <p:nvSpPr>
-          <p:cNvPr id="3" name="Vertical Text Placeholder 2"/>
-          <p:cNvSpPr>
-            <a:spLocks noGrp="1"/>
-          </p:cNvSpPr>
-          <p:nvPr>
-            <p:ph type="body" orient="vert" idx="1"/>
-          </p:nvPr>
-        </p:nvSpPr>
-        <p:spPr>
-          <a:xfrm>
-            <a:off x="1257300" y="547687"/>
-            <a:ext cx="11601450" cy="8717757"/>
+          <p:cNvPr id="8" name="Vertical Text Placeholder 2"/>
+          <p:cNvSpPr>
+            <a:spLocks noGrp="1"/>
+          </p:cNvSpPr>
+          <p:nvPr>
+            <p:ph type="body" orient="vert" sz="quarter" idx="13"/>
+          </p:nvPr>
+        </p:nvSpPr>
+        <p:spPr>
+          <a:xfrm>
+            <a:off x="1370663" y="914402"/>
+            <a:ext cx="11488086" cy="7772399"/>
           </a:xfrm>
         </p:spPr>
         <p:txBody>
@@ -676,7 +3511,179 @@
     </p:spTree>
     <p:extLst>
       <p:ext uri="{BB962C8B-B14F-4D97-AF65-F5344CB8AC3E}">
-        <p14:creationId xmlns:p14="http://schemas.microsoft.com/office/powerpoint/2010/main" val="1097349433"/>
+        <p14:creationId xmlns:p14="http://schemas.microsoft.com/office/powerpoint/2010/main" val="2446227399"/>
+      </p:ext>
+    </p:extLst>
+  </p:cSld>
+  <p:clrMapOvr>
+    <a:masterClrMapping/>
+  </p:clrMapOvr>
+</p:sldLayout>
+</file>
+
+<file path=ppt/slideLayouts/slideLayout18.xml><?xml version="1.0" encoding="utf-8"?>
+<p:sldLayout xmlns:a="http://schemas.openxmlformats.org/drawingml/2006/main" xmlns:r="http://schemas.openxmlformats.org/officeDocument/2006/relationships" xmlns:p="http://schemas.openxmlformats.org/presentationml/2006/main" type="obj">
+  <p:cSld name="1_Title and Content">
+    <p:spTree>
+      <p:nvGrpSpPr>
+        <p:cNvPr id="1" name=""/>
+        <p:cNvGrpSpPr/>
+        <p:nvPr/>
+      </p:nvGrpSpPr>
+      <p:grpSpPr>
+        <a:xfrm>
+          <a:off x="0" y="0"/>
+          <a:ext cx="0" cy="0"/>
+          <a:chOff x="0" y="0"/>
+          <a:chExt cx="0" cy="0"/>
+        </a:xfrm>
+      </p:grpSpPr>
+      <p:sp>
+        <p:nvSpPr>
+          <p:cNvPr id="2" name="Title 1"/>
+          <p:cNvSpPr>
+            <a:spLocks noGrp="1"/>
+          </p:cNvSpPr>
+          <p:nvPr>
+            <p:ph type="title"/>
+          </p:nvPr>
+        </p:nvSpPr>
+        <p:spPr/>
+        <p:txBody>
+          <a:bodyPr/>
+          <a:lstStyle/>
+          <a:p>
+            <a:r>
+              <a:rPr lang="en-US"/>
+              <a:t>Click to edit Master title style</a:t>
+            </a:r>
+            <a:endParaRPr lang="en-US" dirty="0"/>
+          </a:p>
+        </p:txBody>
+      </p:sp>
+      <p:sp>
+        <p:nvSpPr>
+          <p:cNvPr id="3" name="Content Placeholder 2"/>
+          <p:cNvSpPr>
+            <a:spLocks noGrp="1"/>
+          </p:cNvSpPr>
+          <p:nvPr>
+            <p:ph idx="1"/>
+          </p:nvPr>
+        </p:nvSpPr>
+        <p:spPr/>
+        <p:txBody>
+          <a:bodyPr/>
+          <a:lstStyle/>
+          <a:p>
+            <a:pPr lvl="0"/>
+            <a:r>
+              <a:rPr lang="en-US"/>
+              <a:t>Click to edit Master text styles</a:t>
+            </a:r>
+          </a:p>
+          <a:p>
+            <a:pPr lvl="1"/>
+            <a:r>
+              <a:rPr lang="en-US"/>
+              <a:t>Second level</a:t>
+            </a:r>
+          </a:p>
+          <a:p>
+            <a:pPr lvl="2"/>
+            <a:r>
+              <a:rPr lang="en-US"/>
+              <a:t>Third level</a:t>
+            </a:r>
+          </a:p>
+          <a:p>
+            <a:pPr lvl="3"/>
+            <a:r>
+              <a:rPr lang="en-US"/>
+              <a:t>Fourth level</a:t>
+            </a:r>
+          </a:p>
+          <a:p>
+            <a:pPr lvl="4"/>
+            <a:r>
+              <a:rPr lang="en-US"/>
+              <a:t>Fifth level</a:t>
+            </a:r>
+            <a:endParaRPr lang="en-US" dirty="0"/>
+          </a:p>
+        </p:txBody>
+      </p:sp>
+      <p:sp>
+        <p:nvSpPr>
+          <p:cNvPr id="4" name="Date Placeholder 3"/>
+          <p:cNvSpPr>
+            <a:spLocks noGrp="1"/>
+          </p:cNvSpPr>
+          <p:nvPr>
+            <p:ph type="dt" sz="half" idx="10"/>
+          </p:nvPr>
+        </p:nvSpPr>
+        <p:spPr/>
+        <p:txBody>
+          <a:bodyPr/>
+          <a:lstStyle/>
+          <a:p>
+            <a:fld id="{1D8BD707-D9CF-40AE-B4C6-C98DA3205C09}" type="datetimeFigureOut">
+              <a:rPr lang="en-US" smtClean="0"/>
+              <a:pPr/>
+              <a:t>7/20/23</a:t>
+            </a:fld>
+            <a:endParaRPr lang="en-US"/>
+          </a:p>
+        </p:txBody>
+      </p:sp>
+      <p:sp>
+        <p:nvSpPr>
+          <p:cNvPr id="5" name="Footer Placeholder 4"/>
+          <p:cNvSpPr>
+            <a:spLocks noGrp="1"/>
+          </p:cNvSpPr>
+          <p:nvPr>
+            <p:ph type="ftr" sz="quarter" idx="11"/>
+          </p:nvPr>
+        </p:nvSpPr>
+        <p:spPr/>
+        <p:txBody>
+          <a:bodyPr/>
+          <a:lstStyle/>
+          <a:p>
+            <a:endParaRPr lang="en-US"/>
+          </a:p>
+        </p:txBody>
+      </p:sp>
+      <p:sp>
+        <p:nvSpPr>
+          <p:cNvPr id="6" name="Slide Number Placeholder 5"/>
+          <p:cNvSpPr>
+            <a:spLocks noGrp="1"/>
+          </p:cNvSpPr>
+          <p:nvPr>
+            <p:ph type="sldNum" sz="quarter" idx="12"/>
+          </p:nvPr>
+        </p:nvSpPr>
+        <p:spPr/>
+        <p:txBody>
+          <a:bodyPr/>
+          <a:lstStyle/>
+          <a:p>
+            <a:fld id="{B6F15528-21DE-4FAA-801E-634DDDAF4B2B}" type="slidenum">
+              <a:rPr lang="en-US" smtClean="0"/>
+              <a:pPr/>
+              <a:t>‹#›</a:t>
+            </a:fld>
+            <a:endParaRPr lang="en-US"/>
+          </a:p>
+        </p:txBody>
+      </p:sp>
+    </p:spTree>
+    <p:extLst>
+      <p:ext uri="{BB962C8B-B14F-4D97-AF65-F5344CB8AC3E}">
+        <p14:creationId xmlns:p14="http://schemas.microsoft.com/office/powerpoint/2010/main" val="3417445692"/>
       </p:ext>
     </p:extLst>
   </p:cSld>
@@ -703,6 +3710,36 @@
           <a:chExt cx="0" cy="0"/>
         </a:xfrm>
       </p:grpSpPr>
+      <p:pic>
+        <p:nvPicPr>
+          <p:cNvPr id="3" name="Picture 2" descr="Droplets-HD-Content-R1d.png"/>
+          <p:cNvPicPr>
+            <a:picLocks noChangeAspect="1"/>
+          </p:cNvPicPr>
+          <p:nvPr/>
+        </p:nvPicPr>
+        <p:blipFill>
+          <a:blip r:embed="rId2">
+            <a:extLst>
+              <a:ext uri="{28A0092B-C50C-407E-A947-70E740481C1C}">
+                <a14:useLocalDpi xmlns:a14="http://schemas.microsoft.com/office/drawing/2010/main" val="0"/>
+              </a:ext>
+            </a:extLst>
+          </a:blip>
+          <a:stretch>
+            <a:fillRect/>
+          </a:stretch>
+        </p:blipFill>
+        <p:spPr>
+          <a:xfrm>
+            <a:off x="0" y="0"/>
+            <a:ext cx="18288000" cy="10287000"/>
+          </a:xfrm>
+          <a:prstGeom prst="rect">
+            <a:avLst/>
+          </a:prstGeom>
+        </p:spPr>
+      </p:pic>
       <p:sp>
         <p:nvSpPr>
           <p:cNvPr id="2" name="Title 1"/>
@@ -728,15 +3765,20 @@
       </p:sp>
       <p:sp>
         <p:nvSpPr>
-          <p:cNvPr id="3" name="Content Placeholder 2"/>
-          <p:cNvSpPr>
-            <a:spLocks noGrp="1"/>
-          </p:cNvSpPr>
-          <p:nvPr>
-            <p:ph idx="1"/>
-          </p:nvPr>
-        </p:nvSpPr>
-        <p:spPr/>
+          <p:cNvPr id="12" name="Content Placeholder 2"/>
+          <p:cNvSpPr>
+            <a:spLocks noGrp="1"/>
+          </p:cNvSpPr>
+          <p:nvPr>
+            <p:ph sz="quarter" idx="13"/>
+          </p:nvPr>
+        </p:nvSpPr>
+        <p:spPr>
+          <a:xfrm>
+            <a:off x="1370661" y="3550639"/>
+            <a:ext cx="15545739" cy="5136161"/>
+          </a:xfrm>
+        </p:spPr>
         <p:txBody>
           <a:bodyPr/>
           <a:lstStyle/>
@@ -848,7 +3890,7 @@
     </p:spTree>
     <p:extLst>
       <p:ext uri="{BB962C8B-B14F-4D97-AF65-F5344CB8AC3E}">
-        <p14:creationId xmlns:p14="http://schemas.microsoft.com/office/powerpoint/2010/main" val="4112220651"/>
+        <p14:creationId xmlns:p14="http://schemas.microsoft.com/office/powerpoint/2010/main" val="771183907"/>
       </p:ext>
     </p:extLst>
   </p:cSld>
@@ -875,6 +3917,36 @@
           <a:chExt cx="0" cy="0"/>
         </a:xfrm>
       </p:grpSpPr>
+      <p:pic>
+        <p:nvPicPr>
+          <p:cNvPr id="9" name="Picture 8" descr="Droplets-HD-Content-R1d.png"/>
+          <p:cNvPicPr>
+            <a:picLocks noChangeAspect="1"/>
+          </p:cNvPicPr>
+          <p:nvPr/>
+        </p:nvPicPr>
+        <p:blipFill>
+          <a:blip r:embed="rId2">
+            <a:extLst>
+              <a:ext uri="{28A0092B-C50C-407E-A947-70E740481C1C}">
+                <a14:useLocalDpi xmlns:a14="http://schemas.microsoft.com/office/drawing/2010/main" val="0"/>
+              </a:ext>
+            </a:extLst>
+          </a:blip>
+          <a:stretch>
+            <a:fillRect/>
+          </a:stretch>
+        </p:blipFill>
+        <p:spPr>
+          <a:xfrm>
+            <a:off x="0" y="0"/>
+            <a:ext cx="18288000" cy="10287000"/>
+          </a:xfrm>
+          <a:prstGeom prst="rect">
+            <a:avLst/>
+          </a:prstGeom>
+        </p:spPr>
+      </p:pic>
       <p:sp>
         <p:nvSpPr>
           <p:cNvPr id="2" name="Title 1"/>
@@ -887,15 +3959,17 @@
         </p:nvSpPr>
         <p:spPr>
           <a:xfrm>
-            <a:off x="1247775" y="2564607"/>
-            <a:ext cx="15773400" cy="4279106"/>
-          </a:xfrm>
-        </p:spPr>
-        <p:txBody>
-          <a:bodyPr anchor="b"/>
+            <a:off x="1370661" y="1242845"/>
+            <a:ext cx="15527628" cy="4105229"/>
+          </a:xfrm>
+        </p:spPr>
+        <p:txBody>
+          <a:bodyPr anchor="b">
+            <a:normAutofit/>
+          </a:bodyPr>
           <a:lstStyle>
             <a:lvl1pPr>
-              <a:defRPr sz="9000"/>
+              <a:defRPr sz="6000"/>
             </a:lvl1pPr>
           </a:lstStyle>
           <a:p>
@@ -919,19 +3993,21 @@
         </p:nvSpPr>
         <p:spPr>
           <a:xfrm>
-            <a:off x="1247775" y="6884195"/>
-            <a:ext cx="15773400" cy="2250281"/>
-          </a:xfrm>
-        </p:spPr>
-        <p:txBody>
-          <a:bodyPr/>
+            <a:off x="1370661" y="5486186"/>
+            <a:ext cx="15527628" cy="2052275"/>
+          </a:xfrm>
+        </p:spPr>
+        <p:txBody>
+          <a:bodyPr>
+            <a:normAutofit/>
+          </a:bodyPr>
           <a:lstStyle>
-            <a:lvl1pPr marL="0" indent="0">
-              <a:buNone/>
-              <a:defRPr sz="3600">
+            <a:lvl1pPr marL="0" indent="0" algn="ctr">
+              <a:buNone/>
+              <a:defRPr sz="3000">
                 <a:solidFill>
-                  <a:schemeClr val="tx1">
-                    <a:tint val="75000"/>
+                  <a:schemeClr val="bg1">
+                    <a:lumMod val="50000"/>
                   </a:schemeClr>
                 </a:solidFill>
               </a:defRPr>
@@ -1096,7 +4172,7 @@
     </p:spTree>
     <p:extLst>
       <p:ext uri="{BB962C8B-B14F-4D97-AF65-F5344CB8AC3E}">
-        <p14:creationId xmlns:p14="http://schemas.microsoft.com/office/powerpoint/2010/main" val="3708638415"/>
+        <p14:creationId xmlns:p14="http://schemas.microsoft.com/office/powerpoint/2010/main" val="504294543"/>
       </p:ext>
     </p:extLst>
   </p:cSld>
@@ -1123,9 +4199,39 @@
           <a:chExt cx="0" cy="0"/>
         </a:xfrm>
       </p:grpSpPr>
-      <p:sp>
-        <p:nvSpPr>
-          <p:cNvPr id="2" name="Title 1"/>
+      <p:pic>
+        <p:nvPicPr>
+          <p:cNvPr id="10" name="Picture 9" descr="Droplets-HD-Content-R1d.png"/>
+          <p:cNvPicPr>
+            <a:picLocks noChangeAspect="1"/>
+          </p:cNvPicPr>
+          <p:nvPr/>
+        </p:nvPicPr>
+        <p:blipFill>
+          <a:blip r:embed="rId2">
+            <a:extLst>
+              <a:ext uri="{28A0092B-C50C-407E-A947-70E740481C1C}">
+                <a14:useLocalDpi xmlns:a14="http://schemas.microsoft.com/office/drawing/2010/main" val="0"/>
+              </a:ext>
+            </a:extLst>
+          </a:blip>
+          <a:stretch>
+            <a:fillRect/>
+          </a:stretch>
+        </p:blipFill>
+        <p:spPr>
+          <a:xfrm>
+            <a:off x="0" y="0"/>
+            <a:ext cx="18288000" cy="10287000"/>
+          </a:xfrm>
+          <a:prstGeom prst="rect">
+            <a:avLst/>
+          </a:prstGeom>
+        </p:spPr>
+      </p:pic>
+      <p:sp>
+        <p:nvSpPr>
+          <p:cNvPr id="14" name="Title 1"/>
           <p:cNvSpPr>
             <a:spLocks noGrp="1"/>
           </p:cNvSpPr>
@@ -1133,7 +4239,12 @@
             <p:ph type="title"/>
           </p:nvPr>
         </p:nvSpPr>
-        <p:spPr/>
+        <p:spPr>
+          <a:xfrm>
+            <a:off x="1370663" y="927776"/>
+            <a:ext cx="15546677" cy="2394266"/>
+          </a:xfrm>
+        </p:spPr>
         <p:txBody>
           <a:bodyPr/>
           <a:lstStyle/>
@@ -1148,18 +4259,18 @@
       </p:sp>
       <p:sp>
         <p:nvSpPr>
-          <p:cNvPr id="3" name="Content Placeholder 2"/>
-          <p:cNvSpPr>
-            <a:spLocks noGrp="1"/>
-          </p:cNvSpPr>
-          <p:nvPr>
-            <p:ph sz="half" idx="1"/>
-          </p:nvPr>
-        </p:nvSpPr>
-        <p:spPr>
-          <a:xfrm>
-            <a:off x="1257300" y="2738437"/>
-            <a:ext cx="7772400" cy="6527007"/>
+          <p:cNvPr id="12" name="Content Placeholder 2"/>
+          <p:cNvSpPr>
+            <a:spLocks noGrp="1"/>
+          </p:cNvSpPr>
+          <p:nvPr>
+            <p:ph sz="quarter" idx="13"/>
+          </p:nvPr>
+        </p:nvSpPr>
+        <p:spPr>
+          <a:xfrm>
+            <a:off x="1370661" y="3550639"/>
+            <a:ext cx="7659039" cy="5136161"/>
           </a:xfrm>
         </p:spPr>
         <p:txBody>
@@ -1205,18 +4316,18 @@
       </p:sp>
       <p:sp>
         <p:nvSpPr>
-          <p:cNvPr id="4" name="Content Placeholder 3"/>
-          <p:cNvSpPr>
-            <a:spLocks noGrp="1"/>
-          </p:cNvSpPr>
-          <p:nvPr>
-            <p:ph sz="half" idx="2"/>
-          </p:nvPr>
-        </p:nvSpPr>
-        <p:spPr>
-          <a:xfrm>
-            <a:off x="9258300" y="2738437"/>
-            <a:ext cx="7772400" cy="6527007"/>
+          <p:cNvPr id="13" name="Content Placeholder 3"/>
+          <p:cNvSpPr>
+            <a:spLocks noGrp="1"/>
+          </p:cNvSpPr>
+          <p:nvPr>
+            <p:ph sz="quarter" idx="14"/>
+          </p:nvPr>
+        </p:nvSpPr>
+        <p:spPr>
+          <a:xfrm>
+            <a:off x="9258300" y="3550639"/>
+            <a:ext cx="7658100" cy="5136161"/>
           </a:xfrm>
         </p:spPr>
         <p:txBody>
@@ -1330,7 +4441,7 @@
     </p:spTree>
     <p:extLst>
       <p:ext uri="{BB962C8B-B14F-4D97-AF65-F5344CB8AC3E}">
-        <p14:creationId xmlns:p14="http://schemas.microsoft.com/office/powerpoint/2010/main" val="1551716350"/>
+        <p14:creationId xmlns:p14="http://schemas.microsoft.com/office/powerpoint/2010/main" val="2970502145"/>
       </p:ext>
     </p:extLst>
   </p:cSld>
@@ -1357,9 +4468,39 @@
           <a:chExt cx="0" cy="0"/>
         </a:xfrm>
       </p:grpSpPr>
-      <p:sp>
-        <p:nvSpPr>
-          <p:cNvPr id="2" name="Title 1"/>
+      <p:pic>
+        <p:nvPicPr>
+          <p:cNvPr id="15" name="Picture 14" descr="Droplets-HD-Content-R1d.png"/>
+          <p:cNvPicPr>
+            <a:picLocks noChangeAspect="1"/>
+          </p:cNvPicPr>
+          <p:nvPr/>
+        </p:nvPicPr>
+        <p:blipFill>
+          <a:blip r:embed="rId2">
+            <a:extLst>
+              <a:ext uri="{28A0092B-C50C-407E-A947-70E740481C1C}">
+                <a14:useLocalDpi xmlns:a14="http://schemas.microsoft.com/office/drawing/2010/main" val="0"/>
+              </a:ext>
+            </a:extLst>
+          </a:blip>
+          <a:stretch>
+            <a:fillRect/>
+          </a:stretch>
+        </p:blipFill>
+        <p:spPr>
+          <a:xfrm>
+            <a:off x="0" y="0"/>
+            <a:ext cx="18288000" cy="10287000"/>
+          </a:xfrm>
+          <a:prstGeom prst="rect">
+            <a:avLst/>
+          </a:prstGeom>
+        </p:spPr>
+      </p:pic>
+      <p:sp>
+        <p:nvSpPr>
+          <p:cNvPr id="14" name="Title 1"/>
           <p:cNvSpPr>
             <a:spLocks noGrp="1"/>
           </p:cNvSpPr>
@@ -1369,8 +4510,8 @@
         </p:nvSpPr>
         <p:spPr>
           <a:xfrm>
-            <a:off x="1259682" y="547688"/>
-            <a:ext cx="15773400" cy="1988345"/>
+            <a:off x="1370663" y="927776"/>
+            <a:ext cx="15546677" cy="2394266"/>
           </a:xfrm>
         </p:spPr>
         <p:txBody>
@@ -1397,16 +4538,25 @@
         </p:nvSpPr>
         <p:spPr>
           <a:xfrm>
-            <a:off x="1259683" y="2521745"/>
-            <a:ext cx="7736681" cy="1235868"/>
-          </a:xfrm>
-        </p:spPr>
-        <p:txBody>
-          <a:bodyPr anchor="b"/>
+            <a:off x="1719492" y="3556527"/>
+            <a:ext cx="7310211" cy="1019991"/>
+          </a:xfrm>
+        </p:spPr>
+        <p:txBody>
+          <a:bodyPr anchor="b">
+            <a:noAutofit/>
+          </a:bodyPr>
           <a:lstStyle>
             <a:lvl1pPr marL="0" indent="0">
-              <a:buNone/>
-              <a:defRPr sz="3600" b="1"/>
+              <a:lnSpc>
+                <a:spcPct val="85000"/>
+              </a:lnSpc>
+              <a:buNone/>
+              <a:defRPr sz="3900" b="0">
+                <a:solidFill>
+                  <a:schemeClr val="tx1"/>
+                </a:solidFill>
+              </a:defRPr>
             </a:lvl1pPr>
             <a:lvl2pPr marL="685800" indent="0">
               <a:buNone/>
@@ -1452,18 +4602,18 @@
       </p:sp>
       <p:sp>
         <p:nvSpPr>
-          <p:cNvPr id="4" name="Content Placeholder 3"/>
-          <p:cNvSpPr>
-            <a:spLocks noGrp="1"/>
-          </p:cNvSpPr>
-          <p:nvPr>
-            <p:ph sz="half" idx="2"/>
-          </p:nvPr>
-        </p:nvSpPr>
-        <p:spPr>
-          <a:xfrm>
-            <a:off x="1259683" y="3757613"/>
-            <a:ext cx="7736681" cy="5526882"/>
+          <p:cNvPr id="12" name="Content Placeholder 3"/>
+          <p:cNvSpPr>
+            <a:spLocks noGrp="1"/>
+          </p:cNvSpPr>
+          <p:nvPr>
+            <p:ph sz="quarter" idx="13"/>
+          </p:nvPr>
+        </p:nvSpPr>
+        <p:spPr>
+          <a:xfrm>
+            <a:off x="1370662" y="4576519"/>
+            <a:ext cx="7659041" cy="4110281"/>
           </a:xfrm>
         </p:spPr>
         <p:txBody>
@@ -1519,16 +4669,25 @@
         </p:nvSpPr>
         <p:spPr>
           <a:xfrm>
-            <a:off x="9258300" y="2521745"/>
-            <a:ext cx="7774782" cy="1235868"/>
-          </a:xfrm>
-        </p:spPr>
-        <p:txBody>
-          <a:bodyPr anchor="b"/>
+            <a:off x="9594635" y="3556527"/>
+            <a:ext cx="7322706" cy="1019991"/>
+          </a:xfrm>
+        </p:spPr>
+        <p:txBody>
+          <a:bodyPr anchor="b">
+            <a:noAutofit/>
+          </a:bodyPr>
           <a:lstStyle>
             <a:lvl1pPr marL="0" indent="0">
-              <a:buNone/>
-              <a:defRPr sz="3600" b="1"/>
+              <a:lnSpc>
+                <a:spcPct val="85000"/>
+              </a:lnSpc>
+              <a:buNone/>
+              <a:defRPr sz="3900" b="0">
+                <a:solidFill>
+                  <a:schemeClr val="tx1"/>
+                </a:solidFill>
+              </a:defRPr>
             </a:lvl1pPr>
             <a:lvl2pPr marL="685800" indent="0">
               <a:buNone/>
@@ -1574,18 +4733,18 @@
       </p:sp>
       <p:sp>
         <p:nvSpPr>
-          <p:cNvPr id="6" name="Content Placeholder 5"/>
-          <p:cNvSpPr>
-            <a:spLocks noGrp="1"/>
-          </p:cNvSpPr>
-          <p:nvPr>
-            <p:ph sz="quarter" idx="4"/>
-          </p:nvPr>
-        </p:nvSpPr>
-        <p:spPr>
-          <a:xfrm>
-            <a:off x="9258300" y="3757613"/>
-            <a:ext cx="7774782" cy="5526882"/>
+          <p:cNvPr id="13" name="Content Placeholder 5"/>
+          <p:cNvSpPr>
+            <a:spLocks noGrp="1"/>
+          </p:cNvSpPr>
+          <p:nvPr>
+            <p:ph sz="quarter" idx="14"/>
+          </p:nvPr>
+        </p:nvSpPr>
+        <p:spPr>
+          <a:xfrm>
+            <a:off x="9258301" y="4576519"/>
+            <a:ext cx="7658102" cy="4110281"/>
           </a:xfrm>
         </p:spPr>
         <p:txBody>
@@ -1699,7 +4858,7 @@
     </p:spTree>
     <p:extLst>
       <p:ext uri="{BB962C8B-B14F-4D97-AF65-F5344CB8AC3E}">
-        <p14:creationId xmlns:p14="http://schemas.microsoft.com/office/powerpoint/2010/main" val="3557293577"/>
+        <p14:creationId xmlns:p14="http://schemas.microsoft.com/office/powerpoint/2010/main" val="4283061437"/>
       </p:ext>
     </p:extLst>
   </p:cSld>
@@ -1726,6 +4885,36 @@
           <a:chExt cx="0" cy="0"/>
         </a:xfrm>
       </p:grpSpPr>
+      <p:pic>
+        <p:nvPicPr>
+          <p:cNvPr id="8" name="Picture 7" descr="Droplets-HD-Content-R1d.png"/>
+          <p:cNvPicPr>
+            <a:picLocks noChangeAspect="1"/>
+          </p:cNvPicPr>
+          <p:nvPr/>
+        </p:nvPicPr>
+        <p:blipFill>
+          <a:blip r:embed="rId2">
+            <a:extLst>
+              <a:ext uri="{28A0092B-C50C-407E-A947-70E740481C1C}">
+                <a14:useLocalDpi xmlns:a14="http://schemas.microsoft.com/office/drawing/2010/main" val="0"/>
+              </a:ext>
+            </a:extLst>
+          </a:blip>
+          <a:stretch>
+            <a:fillRect/>
+          </a:stretch>
+        </p:blipFill>
+        <p:spPr>
+          <a:xfrm>
+            <a:off x="0" y="0"/>
+            <a:ext cx="18288000" cy="10287000"/>
+          </a:xfrm>
+          <a:prstGeom prst="rect">
+            <a:avLst/>
+          </a:prstGeom>
+        </p:spPr>
+      </p:pic>
       <p:sp>
         <p:nvSpPr>
           <p:cNvPr id="2" name="Title 1"/>
@@ -1819,7 +5008,7 @@
     </p:spTree>
     <p:extLst>
       <p:ext uri="{BB962C8B-B14F-4D97-AF65-F5344CB8AC3E}">
-        <p14:creationId xmlns:p14="http://schemas.microsoft.com/office/powerpoint/2010/main" val="560049987"/>
+        <p14:creationId xmlns:p14="http://schemas.microsoft.com/office/powerpoint/2010/main" val="1286474317"/>
       </p:ext>
     </p:extLst>
   </p:cSld>
@@ -1846,6 +5035,36 @@
           <a:chExt cx="0" cy="0"/>
         </a:xfrm>
       </p:grpSpPr>
+      <p:pic>
+        <p:nvPicPr>
+          <p:cNvPr id="7" name="Picture 6" descr="Droplets-HD-Content-R1d.png"/>
+          <p:cNvPicPr>
+            <a:picLocks noChangeAspect="1"/>
+          </p:cNvPicPr>
+          <p:nvPr/>
+        </p:nvPicPr>
+        <p:blipFill>
+          <a:blip r:embed="rId2">
+            <a:extLst>
+              <a:ext uri="{28A0092B-C50C-407E-A947-70E740481C1C}">
+                <a14:useLocalDpi xmlns:a14="http://schemas.microsoft.com/office/drawing/2010/main" val="0"/>
+              </a:ext>
+            </a:extLst>
+          </a:blip>
+          <a:stretch>
+            <a:fillRect/>
+          </a:stretch>
+        </p:blipFill>
+        <p:spPr>
+          <a:xfrm>
+            <a:off x="0" y="0"/>
+            <a:ext cx="18288000" cy="10287000"/>
+          </a:xfrm>
+          <a:prstGeom prst="rect">
+            <a:avLst/>
+          </a:prstGeom>
+        </p:spPr>
+      </p:pic>
       <p:sp>
         <p:nvSpPr>
           <p:cNvPr id="2" name="Date Placeholder 1"/>
@@ -1916,7 +5135,7 @@
     </p:spTree>
     <p:extLst>
       <p:ext uri="{BB962C8B-B14F-4D97-AF65-F5344CB8AC3E}">
-        <p14:creationId xmlns:p14="http://schemas.microsoft.com/office/powerpoint/2010/main" val="983752637"/>
+        <p14:creationId xmlns:p14="http://schemas.microsoft.com/office/powerpoint/2010/main" val="2250536232"/>
       </p:ext>
     </p:extLst>
   </p:cSld>
@@ -1943,6 +5162,36 @@
           <a:chExt cx="0" cy="0"/>
         </a:xfrm>
       </p:grpSpPr>
+      <p:pic>
+        <p:nvPicPr>
+          <p:cNvPr id="11" name="Picture 10" descr="Droplets-HD-Content-R1d.png"/>
+          <p:cNvPicPr>
+            <a:picLocks noChangeAspect="1"/>
+          </p:cNvPicPr>
+          <p:nvPr/>
+        </p:nvPicPr>
+        <p:blipFill>
+          <a:blip r:embed="rId2">
+            <a:extLst>
+              <a:ext uri="{28A0092B-C50C-407E-A947-70E740481C1C}">
+                <a14:useLocalDpi xmlns:a14="http://schemas.microsoft.com/office/drawing/2010/main" val="0"/>
+              </a:ext>
+            </a:extLst>
+          </a:blip>
+          <a:stretch>
+            <a:fillRect/>
+          </a:stretch>
+        </p:blipFill>
+        <p:spPr>
+          <a:xfrm>
+            <a:off x="0" y="0"/>
+            <a:ext cx="18288000" cy="10287000"/>
+          </a:xfrm>
+          <a:prstGeom prst="rect">
+            <a:avLst/>
+          </a:prstGeom>
+        </p:spPr>
+      </p:pic>
       <p:sp>
         <p:nvSpPr>
           <p:cNvPr id="2" name="Title 1"/>
@@ -1955,14 +5204,14 @@
         </p:nvSpPr>
         <p:spPr>
           <a:xfrm>
-            <a:off x="1259683" y="685800"/>
-            <a:ext cx="5898356" cy="2400300"/>
+            <a:off x="1370663" y="914400"/>
+            <a:ext cx="5903532" cy="3034878"/>
           </a:xfrm>
         </p:spPr>
         <p:txBody>
           <a:bodyPr anchor="b"/>
           <a:lstStyle>
-            <a:lvl1pPr>
+            <a:lvl1pPr algn="ctr">
               <a:defRPr sz="4800"/>
             </a:lvl1pPr>
           </a:lstStyle>
@@ -1977,109 +5226,81 @@
       </p:sp>
       <p:sp>
         <p:nvSpPr>
-          <p:cNvPr id="3" name="Content Placeholder 2"/>
-          <p:cNvSpPr>
-            <a:spLocks noGrp="1"/>
-          </p:cNvSpPr>
-          <p:nvPr>
-            <p:ph idx="1"/>
-          </p:nvPr>
-        </p:nvSpPr>
-        <p:spPr>
-          <a:xfrm>
-            <a:off x="7774782" y="1481138"/>
-            <a:ext cx="9258300" cy="7310438"/>
+          <p:cNvPr id="10" name="Content Placeholder 2"/>
+          <p:cNvSpPr>
+            <a:spLocks noGrp="1"/>
+          </p:cNvSpPr>
+          <p:nvPr>
+            <p:ph sz="quarter" idx="13"/>
+          </p:nvPr>
+        </p:nvSpPr>
+        <p:spPr>
+          <a:xfrm>
+            <a:off x="7617094" y="914401"/>
+            <a:ext cx="9300245" cy="7772399"/>
+          </a:xfrm>
+        </p:spPr>
+        <p:txBody>
+          <a:bodyPr/>
+          <a:lstStyle/>
+          <a:p>
+            <a:pPr lvl="0"/>
+            <a:r>
+              <a:rPr lang="en-US"/>
+              <a:t>Click to edit Master text styles</a:t>
+            </a:r>
+          </a:p>
+          <a:p>
+            <a:pPr lvl="1"/>
+            <a:r>
+              <a:rPr lang="en-US"/>
+              <a:t>Second level</a:t>
+            </a:r>
+          </a:p>
+          <a:p>
+            <a:pPr lvl="2"/>
+            <a:r>
+              <a:rPr lang="en-US"/>
+              <a:t>Third level</a:t>
+            </a:r>
+          </a:p>
+          <a:p>
+            <a:pPr lvl="3"/>
+            <a:r>
+              <a:rPr lang="en-US"/>
+              <a:t>Fourth level</a:t>
+            </a:r>
+          </a:p>
+          <a:p>
+            <a:pPr lvl="4"/>
+            <a:r>
+              <a:rPr lang="en-US"/>
+              <a:t>Fifth level</a:t>
+            </a:r>
+            <a:endParaRPr lang="en-US" dirty="0"/>
+          </a:p>
+        </p:txBody>
+      </p:sp>
+      <p:sp>
+        <p:nvSpPr>
+          <p:cNvPr id="4" name="Text Placeholder 3"/>
+          <p:cNvSpPr>
+            <a:spLocks noGrp="1"/>
+          </p:cNvSpPr>
+          <p:nvPr>
+            <p:ph type="body" sz="half" idx="2"/>
+          </p:nvPr>
+        </p:nvSpPr>
+        <p:spPr>
+          <a:xfrm>
+            <a:off x="1370662" y="3949278"/>
+            <a:ext cx="5903534" cy="4737522"/>
           </a:xfrm>
         </p:spPr>
         <p:txBody>
           <a:bodyPr/>
           <a:lstStyle>
-            <a:lvl1pPr>
-              <a:defRPr sz="4800"/>
-            </a:lvl1pPr>
-            <a:lvl2pPr>
-              <a:defRPr sz="4200"/>
-            </a:lvl2pPr>
-            <a:lvl3pPr>
-              <a:defRPr sz="3600"/>
-            </a:lvl3pPr>
-            <a:lvl4pPr>
-              <a:defRPr sz="3000"/>
-            </a:lvl4pPr>
-            <a:lvl5pPr>
-              <a:defRPr sz="3000"/>
-            </a:lvl5pPr>
-            <a:lvl6pPr>
-              <a:defRPr sz="3000"/>
-            </a:lvl6pPr>
-            <a:lvl7pPr>
-              <a:defRPr sz="3000"/>
-            </a:lvl7pPr>
-            <a:lvl8pPr>
-              <a:defRPr sz="3000"/>
-            </a:lvl8pPr>
-            <a:lvl9pPr>
-              <a:defRPr sz="3000"/>
-            </a:lvl9pPr>
-          </a:lstStyle>
-          <a:p>
-            <a:pPr lvl="0"/>
-            <a:r>
-              <a:rPr lang="en-US"/>
-              <a:t>Click to edit Master text styles</a:t>
-            </a:r>
-          </a:p>
-          <a:p>
-            <a:pPr lvl="1"/>
-            <a:r>
-              <a:rPr lang="en-US"/>
-              <a:t>Second level</a:t>
-            </a:r>
-          </a:p>
-          <a:p>
-            <a:pPr lvl="2"/>
-            <a:r>
-              <a:rPr lang="en-US"/>
-              <a:t>Third level</a:t>
-            </a:r>
-          </a:p>
-          <a:p>
-            <a:pPr lvl="3"/>
-            <a:r>
-              <a:rPr lang="en-US"/>
-              <a:t>Fourth level</a:t>
-            </a:r>
-          </a:p>
-          <a:p>
-            <a:pPr lvl="4"/>
-            <a:r>
-              <a:rPr lang="en-US"/>
-              <a:t>Fifth level</a:t>
-            </a:r>
-            <a:endParaRPr lang="en-US" dirty="0"/>
-          </a:p>
-        </p:txBody>
-      </p:sp>
-      <p:sp>
-        <p:nvSpPr>
-          <p:cNvPr id="4" name="Text Placeholder 3"/>
-          <p:cNvSpPr>
-            <a:spLocks noGrp="1"/>
-          </p:cNvSpPr>
-          <p:nvPr>
-            <p:ph type="body" sz="half" idx="2"/>
-          </p:nvPr>
-        </p:nvSpPr>
-        <p:spPr>
-          <a:xfrm>
-            <a:off x="1259683" y="3086100"/>
-            <a:ext cx="5898356" cy="5717382"/>
-          </a:xfrm>
-        </p:spPr>
-        <p:txBody>
-          <a:bodyPr/>
-          <a:lstStyle>
-            <a:lvl1pPr marL="0" indent="0">
+            <a:lvl1pPr marL="0" indent="0" algn="ctr">
               <a:buNone/>
               <a:defRPr sz="2400"/>
             </a:lvl1pPr>
@@ -2195,7 +5416,7 @@
     </p:spTree>
     <p:extLst>
       <p:ext uri="{BB962C8B-B14F-4D97-AF65-F5344CB8AC3E}">
-        <p14:creationId xmlns:p14="http://schemas.microsoft.com/office/powerpoint/2010/main" val="407541160"/>
+        <p14:creationId xmlns:p14="http://schemas.microsoft.com/office/powerpoint/2010/main" val="3436958143"/>
       </p:ext>
     </p:extLst>
   </p:cSld>
@@ -2222,6 +5443,36 @@
           <a:chExt cx="0" cy="0"/>
         </a:xfrm>
       </p:grpSpPr>
+      <p:pic>
+        <p:nvPicPr>
+          <p:cNvPr id="10" name="Picture 9" descr="Droplets-HD-Content-R1d.png"/>
+          <p:cNvPicPr>
+            <a:picLocks noChangeAspect="1"/>
+          </p:cNvPicPr>
+          <p:nvPr/>
+        </p:nvPicPr>
+        <p:blipFill>
+          <a:blip r:embed="rId2">
+            <a:extLst>
+              <a:ext uri="{28A0092B-C50C-407E-A947-70E740481C1C}">
+                <a14:useLocalDpi xmlns:a14="http://schemas.microsoft.com/office/drawing/2010/main" val="0"/>
+              </a:ext>
+            </a:extLst>
+          </a:blip>
+          <a:stretch>
+            <a:fillRect/>
+          </a:stretch>
+        </p:blipFill>
+        <p:spPr>
+          <a:xfrm>
+            <a:off x="0" y="0"/>
+            <a:ext cx="18288000" cy="10287000"/>
+          </a:xfrm>
+          <a:prstGeom prst="rect">
+            <a:avLst/>
+          </a:prstGeom>
+        </p:spPr>
+      </p:pic>
       <p:sp>
         <p:nvSpPr>
           <p:cNvPr id="2" name="Title 1"/>
@@ -2234,14 +5485,14 @@
         </p:nvSpPr>
         <p:spPr>
           <a:xfrm>
-            <a:off x="1259683" y="685800"/>
-            <a:ext cx="5898356" cy="2400300"/>
+            <a:off x="1370662" y="914400"/>
+            <a:ext cx="8902454" cy="3034881"/>
           </a:xfrm>
         </p:spPr>
         <p:txBody>
           <a:bodyPr anchor="b"/>
           <a:lstStyle>
-            <a:lvl1pPr>
+            <a:lvl1pPr algn="ctr">
               <a:defRPr sz="4800"/>
             </a:lvl1pPr>
           </a:lstStyle>
@@ -2266,9 +5517,37 @@
         </p:nvSpPr>
         <p:spPr>
           <a:xfrm>
-            <a:off x="7774782" y="1481138"/>
-            <a:ext cx="9258300" cy="7310438"/>
-          </a:xfrm>
+            <a:off x="11137205" y="914402"/>
+            <a:ext cx="4883037" cy="7772400"/>
+          </a:xfrm>
+          <a:prstGeom prst="roundRect">
+            <a:avLst>
+              <a:gd name="adj" fmla="val 4943"/>
+            </a:avLst>
+          </a:prstGeom>
+          <a:noFill/>
+          <a:ln w="82550" cap="sq">
+            <a:solidFill>
+              <a:schemeClr val="bg2">
+                <a:lumMod val="60000"/>
+                <a:lumOff val="40000"/>
+              </a:schemeClr>
+            </a:solidFill>
+            <a:miter lim="800000"/>
+          </a:ln>
+          <a:effectLst/>
+          <a:scene3d>
+            <a:camera prst="orthographicFront"/>
+            <a:lightRig rig="threePt" dir="t">
+              <a:rot lat="0" lon="0" rev="2700000"/>
+            </a:lightRig>
+          </a:scene3d>
+          <a:sp3d contourW="6350">
+            <a:bevelT h="38100"/>
+            <a:contourClr>
+              <a:srgbClr val="C0C0C0"/>
+            </a:contourClr>
+          </a:sp3d>
         </p:spPr>
         <p:txBody>
           <a:bodyPr anchor="t"/>
@@ -2331,14 +5610,14 @@
         </p:nvSpPr>
         <p:spPr>
           <a:xfrm>
-            <a:off x="1259683" y="3086100"/>
-            <a:ext cx="5898356" cy="5717382"/>
+            <a:off x="1370691" y="3949278"/>
+            <a:ext cx="8902424" cy="4737521"/>
           </a:xfrm>
         </p:spPr>
         <p:txBody>
           <a:bodyPr/>
           <a:lstStyle>
-            <a:lvl1pPr marL="0" indent="0">
+            <a:lvl1pPr marL="0" indent="0" algn="ctr">
               <a:buNone/>
               <a:defRPr sz="2400"/>
             </a:lvl1pPr>
@@ -2454,7 +5733,7 @@
     </p:spTree>
     <p:extLst>
       <p:ext uri="{BB962C8B-B14F-4D97-AF65-F5344CB8AC3E}">
-        <p14:creationId xmlns:p14="http://schemas.microsoft.com/office/powerpoint/2010/main" val="3737097657"/>
+        <p14:creationId xmlns:p14="http://schemas.microsoft.com/office/powerpoint/2010/main" val="833053860"/>
       </p:ext>
     </p:extLst>
   </p:cSld>
@@ -2468,8 +5747,8 @@
 <p:sldMaster xmlns:a="http://schemas.openxmlformats.org/drawingml/2006/main" xmlns:r="http://schemas.openxmlformats.org/officeDocument/2006/relationships" xmlns:p="http://schemas.openxmlformats.org/presentationml/2006/main">
   <p:cSld>
     <p:bg>
-      <p:bgRef idx="1001">
-        <a:schemeClr val="bg1"/>
+      <p:bgRef idx="1003">
+        <a:schemeClr val="bg2"/>
       </p:bgRef>
     </p:bg>
     <p:spTree>
@@ -2486,24 +5765,66 @@
           <a:chExt cx="0" cy="0"/>
         </a:xfrm>
       </p:grpSpPr>
-      <p:sp>
-        <p:nvSpPr>
-          <p:cNvPr id="2" name="Title Placeholder 1"/>
-          <p:cNvSpPr>
-            <a:spLocks noGrp="1"/>
-          </p:cNvSpPr>
-          <p:nvPr>
-            <p:ph type="title"/>
-          </p:nvPr>
-        </p:nvSpPr>
-        <p:spPr>
-          <a:xfrm>
-            <a:off x="1257300" y="547688"/>
-            <a:ext cx="15773400" cy="1988345"/>
+      <p:pic>
+        <p:nvPicPr>
+          <p:cNvPr id="1026" name="Picture 2" descr="\\DROBO-FS\QuickDrops\JB\PPTX NG\Droplets\LightingOverlay.png"/>
+          <p:cNvPicPr>
+            <a:picLocks noChangeAspect="1" noChangeArrowheads="1"/>
+          </p:cNvPicPr>
+          <p:nvPr/>
+        </p:nvPicPr>
+        <p:blipFill>
+          <a:blip r:embed="rId20">
+            <a:alphaModFix amt="80000"/>
+            <a:extLst>
+              <a:ext uri="{28A0092B-C50C-407E-A947-70E740481C1C}">
+                <a14:useLocalDpi xmlns:a14="http://schemas.microsoft.com/office/drawing/2010/main" val="0"/>
+              </a:ext>
+            </a:extLst>
+          </a:blip>
+          <a:srcRect/>
+          <a:stretch>
+            <a:fillRect/>
+          </a:stretch>
+        </p:blipFill>
+        <p:spPr bwMode="auto">
+          <a:xfrm>
+            <a:off x="1" y="0"/>
+            <a:ext cx="18288005" cy="10287002"/>
           </a:xfrm>
           <a:prstGeom prst="rect">
             <a:avLst/>
           </a:prstGeom>
+          <a:noFill/>
+          <a:extLst>
+            <a:ext uri="{909E8E84-426E-40DD-AFC4-6F175D3DCCD1}">
+              <a14:hiddenFill xmlns:a14="http://schemas.microsoft.com/office/drawing/2010/main">
+                <a:solidFill>
+                  <a:srgbClr val="FFFFFF"/>
+                </a:solidFill>
+              </a14:hiddenFill>
+            </a:ext>
+          </a:extLst>
+        </p:spPr>
+      </p:pic>
+      <p:sp>
+        <p:nvSpPr>
+          <p:cNvPr id="2" name="Title Placeholder 1"/>
+          <p:cNvSpPr>
+            <a:spLocks noGrp="1"/>
+          </p:cNvSpPr>
+          <p:nvPr>
+            <p:ph type="title"/>
+          </p:nvPr>
+        </p:nvSpPr>
+        <p:spPr>
+          <a:xfrm>
+            <a:off x="1370663" y="927776"/>
+            <a:ext cx="15546677" cy="2394266"/>
+          </a:xfrm>
+          <a:prstGeom prst="rect">
+            <a:avLst/>
+          </a:prstGeom>
         </p:spPr>
         <p:txBody>
           <a:bodyPr vert="horz" lIns="91440" tIns="45720" rIns="91440" bIns="45720" rtlCol="0" anchor="ctr">
@@ -2531,8 +5852,8 @@
         </p:nvSpPr>
         <p:spPr>
           <a:xfrm>
-            <a:off x="1257300" y="2738437"/>
-            <a:ext cx="15773400" cy="6527007"/>
+            <a:off x="1370662" y="3550640"/>
+            <a:ext cx="15546678" cy="5136161"/>
           </a:xfrm>
           <a:prstGeom prst="rect">
             <a:avLst/>
@@ -2593,7 +5914,7 @@
         </p:nvSpPr>
         <p:spPr>
           <a:xfrm>
-            <a:off x="1257300" y="9534526"/>
+            <a:off x="11518106" y="8824913"/>
             <a:ext cx="4114800" cy="547688"/>
           </a:xfrm>
           <a:prstGeom prst="rect">
@@ -2603,12 +5924,10 @@
         <p:txBody>
           <a:bodyPr vert="horz" lIns="91440" tIns="45720" rIns="91440" bIns="45720" rtlCol="0" anchor="ctr"/>
           <a:lstStyle>
-            <a:lvl1pPr algn="l">
-              <a:defRPr sz="1800">
+            <a:lvl1pPr algn="r">
+              <a:defRPr sz="1500">
                 <a:solidFill>
-                  <a:schemeClr val="tx1">
-                    <a:tint val="75000"/>
-                  </a:schemeClr>
+                  <a:schemeClr val="tx1"/>
                 </a:solidFill>
               </a:defRPr>
             </a:lvl1pPr>
@@ -2635,8 +5954,8 @@
         </p:nvSpPr>
         <p:spPr>
           <a:xfrm>
-            <a:off x="6057900" y="9534526"/>
-            <a:ext cx="6172200" cy="547688"/>
+            <a:off x="1370661" y="8824913"/>
+            <a:ext cx="10009331" cy="547688"/>
           </a:xfrm>
           <a:prstGeom prst="rect">
             <a:avLst/>
@@ -2645,12 +5964,10 @@
         <p:txBody>
           <a:bodyPr vert="horz" lIns="91440" tIns="45720" rIns="91440" bIns="45720" rtlCol="0" anchor="ctr"/>
           <a:lstStyle>
-            <a:lvl1pPr algn="ctr">
-              <a:defRPr sz="1800">
+            <a:lvl1pPr algn="l">
+              <a:defRPr sz="1500">
                 <a:solidFill>
-                  <a:schemeClr val="tx1">
-                    <a:tint val="75000"/>
-                  </a:schemeClr>
+                  <a:schemeClr val="tx1"/>
                 </a:solidFill>
               </a:defRPr>
             </a:lvl1pPr>
@@ -2672,8 +5989,8 @@
         </p:nvSpPr>
         <p:spPr>
           <a:xfrm>
-            <a:off x="12915900" y="9534526"/>
-            <a:ext cx="4114800" cy="547688"/>
+            <a:off x="15771017" y="8824913"/>
+            <a:ext cx="1146323" cy="547688"/>
           </a:xfrm>
           <a:prstGeom prst="rect">
             <a:avLst/>
@@ -2683,11 +6000,9 @@
           <a:bodyPr vert="horz" lIns="91440" tIns="45720" rIns="91440" bIns="45720" rtlCol="0" anchor="ctr"/>
           <a:lstStyle>
             <a:lvl1pPr algn="r">
-              <a:defRPr sz="1800">
+              <a:defRPr sz="1500">
                 <a:solidFill>
-                  <a:schemeClr val="tx1">
-                    <a:tint val="75000"/>
-                  </a:schemeClr>
+                  <a:schemeClr val="tx1"/>
                 </a:solidFill>
               </a:defRPr>
             </a:lvl1pPr>
@@ -2705,27 +6020,34 @@
     </p:spTree>
     <p:extLst>
       <p:ext uri="{BB962C8B-B14F-4D97-AF65-F5344CB8AC3E}">
-        <p14:creationId xmlns:p14="http://schemas.microsoft.com/office/powerpoint/2010/main" val="283716507"/>
+        <p14:creationId xmlns:p14="http://schemas.microsoft.com/office/powerpoint/2010/main" val="3182192256"/>
       </p:ext>
     </p:extLst>
   </p:cSld>
   <p:clrMap bg1="lt1" tx1="dk1" bg2="lt2" tx2="dk2" accent1="accent1" accent2="accent2" accent3="accent3" accent4="accent4" accent5="accent5" accent6="accent6" hlink="hlink" folHlink="folHlink"/>
   <p:sldLayoutIdLst>
-    <p:sldLayoutId id="2147483690" r:id="rId1"/>
-    <p:sldLayoutId id="2147483691" r:id="rId2"/>
-    <p:sldLayoutId id="2147483692" r:id="rId3"/>
-    <p:sldLayoutId id="2147483693" r:id="rId4"/>
-    <p:sldLayoutId id="2147483694" r:id="rId5"/>
-    <p:sldLayoutId id="2147483695" r:id="rId6"/>
-    <p:sldLayoutId id="2147483696" r:id="rId7"/>
-    <p:sldLayoutId id="2147483697" r:id="rId8"/>
-    <p:sldLayoutId id="2147483698" r:id="rId9"/>
-    <p:sldLayoutId id="2147483699" r:id="rId10"/>
-    <p:sldLayoutId id="2147483700" r:id="rId11"/>
+    <p:sldLayoutId id="2147483854" r:id="rId1"/>
+    <p:sldLayoutId id="2147483855" r:id="rId2"/>
+    <p:sldLayoutId id="2147483856" r:id="rId3"/>
+    <p:sldLayoutId id="2147483857" r:id="rId4"/>
+    <p:sldLayoutId id="2147483858" r:id="rId5"/>
+    <p:sldLayoutId id="2147483859" r:id="rId6"/>
+    <p:sldLayoutId id="2147483860" r:id="rId7"/>
+    <p:sldLayoutId id="2147483861" r:id="rId8"/>
+    <p:sldLayoutId id="2147483862" r:id="rId9"/>
+    <p:sldLayoutId id="2147483863" r:id="rId10"/>
+    <p:sldLayoutId id="2147483864" r:id="rId11"/>
+    <p:sldLayoutId id="2147483865" r:id="rId12"/>
+    <p:sldLayoutId id="2147483866" r:id="rId13"/>
+    <p:sldLayoutId id="2147483867" r:id="rId14"/>
+    <p:sldLayoutId id="2147483868" r:id="rId15"/>
+    <p:sldLayoutId id="2147483869" r:id="rId16"/>
+    <p:sldLayoutId id="2147483870" r:id="rId17"/>
+    <p:sldLayoutId id="2147483871" r:id="rId18"/>
   </p:sldLayoutIdLst>
   <p:txStyles>
     <p:titleStyle>
-      <a:lvl1pPr algn="l" defTabSz="1371600" rtl="0" eaLnBrk="1" latinLnBrk="0" hangingPunct="1">
+      <a:lvl1pPr algn="ctr" defTabSz="1371600" rtl="0" eaLnBrk="1" latinLnBrk="0" hangingPunct="1">
         <a:lnSpc>
           <a:spcPct val="90000"/>
         </a:lnSpc>
@@ -2733,10 +6055,11 @@
           <a:spcPct val="0"/>
         </a:spcBef>
         <a:buNone/>
-        <a:defRPr sz="6600" kern="1200">
+        <a:defRPr sz="5400" kern="1200" cap="all" baseline="0">
           <a:solidFill>
             <a:schemeClr val="tx1"/>
           </a:solidFill>
+          <a:effectLst/>
           <a:latin typeface="+mj-lt"/>
           <a:ea typeface="+mj-ea"/>
           <a:cs typeface="+mj-cs"/>
@@ -2746,17 +6069,21 @@
     <p:bodyStyle>
       <a:lvl1pPr marL="342900" indent="-342900" algn="l" defTabSz="1371600" rtl="0" eaLnBrk="1" latinLnBrk="0" hangingPunct="1">
         <a:lnSpc>
-          <a:spcPct val="90000"/>
+          <a:spcPct val="120000"/>
         </a:lnSpc>
         <a:spcBef>
           <a:spcPts val="1500"/>
         </a:spcBef>
+        <a:buClr>
+          <a:schemeClr val="tx1"/>
+        </a:buClr>
         <a:buFont typeface="Arial" panose="020B0604020202020204" pitchFamily="34" charset="0"/>
         <a:buChar char="•"/>
-        <a:defRPr sz="4200" kern="1200">
+        <a:defRPr sz="3000" kern="1200" cap="all" baseline="0">
           <a:solidFill>
             <a:schemeClr val="tx1"/>
           </a:solidFill>
+          <a:effectLst/>
           <a:latin typeface="+mn-lt"/>
           <a:ea typeface="+mn-ea"/>
           <a:cs typeface="+mn-cs"/>
@@ -2764,17 +6091,21 @@
       </a:lvl1pPr>
       <a:lvl2pPr marL="1028700" indent="-342900" algn="l" defTabSz="1371600" rtl="0" eaLnBrk="1" latinLnBrk="0" hangingPunct="1">
         <a:lnSpc>
-          <a:spcPct val="90000"/>
+          <a:spcPct val="120000"/>
         </a:lnSpc>
         <a:spcBef>
           <a:spcPts val="750"/>
         </a:spcBef>
+        <a:buClr>
+          <a:schemeClr val="tx1"/>
+        </a:buClr>
         <a:buFont typeface="Arial" panose="020B0604020202020204" pitchFamily="34" charset="0"/>
         <a:buChar char="•"/>
-        <a:defRPr sz="3600" kern="1200">
+        <a:defRPr sz="2700" kern="1200" cap="all" baseline="0">
           <a:solidFill>
             <a:schemeClr val="tx1"/>
           </a:solidFill>
+          <a:effectLst/>
           <a:latin typeface="+mn-lt"/>
           <a:ea typeface="+mn-ea"/>
           <a:cs typeface="+mn-cs"/>
@@ -2782,17 +6113,21 @@
       </a:lvl2pPr>
       <a:lvl3pPr marL="1714500" indent="-342900" algn="l" defTabSz="1371600" rtl="0" eaLnBrk="1" latinLnBrk="0" hangingPunct="1">
         <a:lnSpc>
-          <a:spcPct val="90000"/>
+          <a:spcPct val="120000"/>
         </a:lnSpc>
         <a:spcBef>
           <a:spcPts val="750"/>
         </a:spcBef>
+        <a:buClr>
+          <a:schemeClr val="tx1"/>
+        </a:buClr>
         <a:buFont typeface="Arial" panose="020B0604020202020204" pitchFamily="34" charset="0"/>
         <a:buChar char="•"/>
-        <a:defRPr sz="3000" kern="1200">
+        <a:defRPr sz="2400" kern="1200" cap="all" baseline="0">
           <a:solidFill>
             <a:schemeClr val="tx1"/>
           </a:solidFill>
+          <a:effectLst/>
           <a:latin typeface="+mn-lt"/>
           <a:ea typeface="+mn-ea"/>
           <a:cs typeface="+mn-cs"/>
@@ -2800,17 +6135,21 @@
       </a:lvl3pPr>
       <a:lvl4pPr marL="2400300" indent="-342900" algn="l" defTabSz="1371600" rtl="0" eaLnBrk="1" latinLnBrk="0" hangingPunct="1">
         <a:lnSpc>
-          <a:spcPct val="90000"/>
+          <a:spcPct val="120000"/>
         </a:lnSpc>
         <a:spcBef>
           <a:spcPts val="750"/>
         </a:spcBef>
+        <a:buClr>
+          <a:schemeClr val="tx1"/>
+        </a:buClr>
         <a:buFont typeface="Arial" panose="020B0604020202020204" pitchFamily="34" charset="0"/>
         <a:buChar char="•"/>
-        <a:defRPr sz="2700" kern="1200">
+        <a:defRPr sz="2100" kern="1200" cap="all" baseline="0">
           <a:solidFill>
             <a:schemeClr val="tx1"/>
           </a:solidFill>
+          <a:effectLst/>
           <a:latin typeface="+mn-lt"/>
           <a:ea typeface="+mn-ea"/>
           <a:cs typeface="+mn-cs"/>
@@ -2818,17 +6157,21 @@
       </a:lvl4pPr>
       <a:lvl5pPr marL="3086100" indent="-342900" algn="l" defTabSz="1371600" rtl="0" eaLnBrk="1" latinLnBrk="0" hangingPunct="1">
         <a:lnSpc>
-          <a:spcPct val="90000"/>
+          <a:spcPct val="120000"/>
         </a:lnSpc>
         <a:spcBef>
           <a:spcPts val="750"/>
         </a:spcBef>
+        <a:buClr>
+          <a:schemeClr val="tx1"/>
+        </a:buClr>
         <a:buFont typeface="Arial" panose="020B0604020202020204" pitchFamily="34" charset="0"/>
         <a:buChar char="•"/>
-        <a:defRPr sz="2700" kern="1200">
+        <a:defRPr sz="2100" kern="1200" cap="all" baseline="0">
           <a:solidFill>
             <a:schemeClr val="tx1"/>
           </a:solidFill>
+          <a:effectLst/>
           <a:latin typeface="+mn-lt"/>
           <a:ea typeface="+mn-ea"/>
           <a:cs typeface="+mn-cs"/>
@@ -2836,17 +6179,21 @@
       </a:lvl5pPr>
       <a:lvl6pPr marL="3771900" indent="-342900" algn="l" defTabSz="1371600" rtl="0" eaLnBrk="1" latinLnBrk="0" hangingPunct="1">
         <a:lnSpc>
-          <a:spcPct val="90000"/>
+          <a:spcPct val="120000"/>
         </a:lnSpc>
         <a:spcBef>
           <a:spcPts val="750"/>
         </a:spcBef>
+        <a:buClr>
+          <a:schemeClr val="tx1"/>
+        </a:buClr>
         <a:buFont typeface="Arial" panose="020B0604020202020204" pitchFamily="34" charset="0"/>
         <a:buChar char="•"/>
-        <a:defRPr sz="2700" kern="1200">
+        <a:defRPr sz="2100" kern="1200" cap="all" baseline="0">
           <a:solidFill>
             <a:schemeClr val="tx1"/>
           </a:solidFill>
+          <a:effectLst/>
           <a:latin typeface="+mn-lt"/>
           <a:ea typeface="+mn-ea"/>
           <a:cs typeface="+mn-cs"/>
@@ -2854,17 +6201,21 @@
       </a:lvl6pPr>
       <a:lvl7pPr marL="4457700" indent="-342900" algn="l" defTabSz="1371600" rtl="0" eaLnBrk="1" latinLnBrk="0" hangingPunct="1">
         <a:lnSpc>
-          <a:spcPct val="90000"/>
+          <a:spcPct val="120000"/>
         </a:lnSpc>
         <a:spcBef>
           <a:spcPts val="750"/>
         </a:spcBef>
+        <a:buClr>
+          <a:schemeClr val="tx1"/>
+        </a:buClr>
         <a:buFont typeface="Arial" panose="020B0604020202020204" pitchFamily="34" charset="0"/>
         <a:buChar char="•"/>
-        <a:defRPr sz="2700" kern="1200">
+        <a:defRPr sz="2100" kern="1200" cap="all" baseline="0">
           <a:solidFill>
             <a:schemeClr val="tx1"/>
           </a:solidFill>
+          <a:effectLst/>
           <a:latin typeface="+mn-lt"/>
           <a:ea typeface="+mn-ea"/>
           <a:cs typeface="+mn-cs"/>
@@ -2872,17 +6223,21 @@
       </a:lvl7pPr>
       <a:lvl8pPr marL="5143500" indent="-342900" algn="l" defTabSz="1371600" rtl="0" eaLnBrk="1" latinLnBrk="0" hangingPunct="1">
         <a:lnSpc>
-          <a:spcPct val="90000"/>
+          <a:spcPct val="120000"/>
         </a:lnSpc>
         <a:spcBef>
           <a:spcPts val="750"/>
         </a:spcBef>
+        <a:buClr>
+          <a:schemeClr val="tx1"/>
+        </a:buClr>
         <a:buFont typeface="Arial" panose="020B0604020202020204" pitchFamily="34" charset="0"/>
         <a:buChar char="•"/>
-        <a:defRPr sz="2700" kern="1200">
+        <a:defRPr sz="2100" kern="1200" cap="all" baseline="0">
           <a:solidFill>
             <a:schemeClr val="tx1"/>
           </a:solidFill>
+          <a:effectLst/>
           <a:latin typeface="+mn-lt"/>
           <a:ea typeface="+mn-ea"/>
           <a:cs typeface="+mn-cs"/>
@@ -2890,17 +6245,21 @@
       </a:lvl8pPr>
       <a:lvl9pPr marL="5829300" indent="-342900" algn="l" defTabSz="1371600" rtl="0" eaLnBrk="1" latinLnBrk="0" hangingPunct="1">
         <a:lnSpc>
-          <a:spcPct val="90000"/>
+          <a:spcPct val="120000"/>
         </a:lnSpc>
         <a:spcBef>
           <a:spcPts val="750"/>
         </a:spcBef>
+        <a:buClr>
+          <a:schemeClr val="tx1"/>
+        </a:buClr>
         <a:buFont typeface="Arial" panose="020B0604020202020204" pitchFamily="34" charset="0"/>
         <a:buChar char="•"/>
-        <a:defRPr sz="2700" kern="1200">
+        <a:defRPr sz="2100" kern="1200" cap="all" baseline="0">
           <a:solidFill>
             <a:schemeClr val="tx1"/>
           </a:solidFill>
+          <a:effectLst/>
           <a:latin typeface="+mn-lt"/>
           <a:ea typeface="+mn-ea"/>
           <a:cs typeface="+mn-cs"/>
@@ -3009,14 +6368,6 @@
 <file path=ppt/slides/slide1.xml><?xml version="1.0" encoding="utf-8"?>
 <p:sld xmlns:a="http://schemas.openxmlformats.org/drawingml/2006/main" xmlns:r="http://schemas.openxmlformats.org/officeDocument/2006/relationships" xmlns:p="http://schemas.openxmlformats.org/presentationml/2006/main">
   <p:cSld>
-    <p:bg>
-      <p:bgPr>
-        <a:solidFill>
-          <a:srgbClr val="FFF074"/>
-        </a:solidFill>
-        <a:effectLst/>
-      </p:bgPr>
-    </p:bg>
     <p:spTree>
       <p:nvGrpSpPr>
         <p:cNvPr id="1" name=""/>
@@ -3103,14 +6454,6 @@
 <file path=ppt/slides/slide2.xml><?xml version="1.0" encoding="utf-8"?>
 <p:sld xmlns:a="http://schemas.openxmlformats.org/drawingml/2006/main" xmlns:r="http://schemas.openxmlformats.org/officeDocument/2006/relationships" xmlns:p="http://schemas.openxmlformats.org/presentationml/2006/main">
   <p:cSld>
-    <p:bg>
-      <p:bgPr>
-        <a:solidFill>
-          <a:srgbClr val="FFF074"/>
-        </a:solidFill>
-        <a:effectLst/>
-      </p:bgPr>
-    </p:bg>
     <p:spTree>
       <p:nvGrpSpPr>
         <p:cNvPr id="1" name=""/>
@@ -3171,7 +6514,7 @@
           <a:bodyPr/>
           <a:lstStyle/>
           <a:p>
-            <a:endParaRPr lang="en-JP"/>
+            <a:endParaRPr lang="en-JP" dirty="0"/>
           </a:p>
         </p:txBody>
       </p:sp>
@@ -3189,9 +6532,9 @@
 </file>
 
 <file path=ppt/theme/theme1.xml><?xml version="1.0" encoding="utf-8"?>
-<a:theme xmlns:a="http://schemas.openxmlformats.org/drawingml/2006/main" name="Office Theme">
+<a:theme xmlns:a="http://schemas.openxmlformats.org/drawingml/2006/main" name="Droplet">
   <a:themeElements>
-    <a:clrScheme name="Office Theme">
+    <a:clrScheme name="Droplet">
       <a:dk1>
         <a:sysClr val="windowText" lastClr="000000"/>
       </a:dk1>
@@ -3199,44 +6542,44 @@
         <a:sysClr val="window" lastClr="FFFFFF"/>
       </a:lt1>
       <a:dk2>
-        <a:srgbClr val="44546A"/>
+        <a:srgbClr val="27537E"/>
       </a:dk2>
       <a:lt2>
-        <a:srgbClr val="E7E6E6"/>
+        <a:srgbClr val="AABED7"/>
       </a:lt2>
       <a:accent1>
-        <a:srgbClr val="4472C4"/>
+        <a:srgbClr val="E34B7A"/>
       </a:accent1>
       <a:accent2>
-        <a:srgbClr val="ED7D31"/>
+        <a:srgbClr val="AC339A"/>
       </a:accent2>
       <a:accent3>
-        <a:srgbClr val="A5A5A5"/>
+        <a:srgbClr val="6953B7"/>
       </a:accent3>
       <a:accent4>
-        <a:srgbClr val="FFC000"/>
+        <a:srgbClr val="1D7EAB"/>
       </a:accent4>
       <a:accent5>
-        <a:srgbClr val="5B9BD5"/>
+        <a:srgbClr val="43AFD6"/>
       </a:accent5>
       <a:accent6>
-        <a:srgbClr val="70AD47"/>
+        <a:srgbClr val="DE85E1"/>
       </a:accent6>
       <a:hlink>
-        <a:srgbClr val="0563C1"/>
+        <a:srgbClr val="ED87A6"/>
       </a:hlink>
       <a:folHlink>
-        <a:srgbClr val="954F72"/>
+        <a:srgbClr val="C99EAC"/>
       </a:folHlink>
     </a:clrScheme>
-    <a:fontScheme name="Office Theme">
+    <a:fontScheme name="Droplet">
       <a:majorFont>
-        <a:latin typeface="Calibri Light" panose="020F0302020204030204"/>
+        <a:latin typeface="Tw Cen MT" panose="020B0602020104020603"/>
         <a:ea typeface=""/>
         <a:cs typeface=""/>
-        <a:font script="Jpan" typeface="游ゴシック Light"/>
+        <a:font script="Jpan" typeface="ＭＳ Ｐゴシック"/>
         <a:font script="Hang" typeface="맑은 고딕"/>
-        <a:font script="Hans" typeface="等线 Light"/>
+        <a:font script="Hans" typeface="宋体"/>
         <a:font script="Hant" typeface="新細明體"/>
         <a:font script="Arab" typeface="Times New Roman"/>
         <a:font script="Hebr" typeface="Times New Roman"/>
@@ -3266,12 +6609,12 @@
         <a:font script="Geor" typeface="Sylfaen"/>
       </a:majorFont>
       <a:minorFont>
-        <a:latin typeface="Calibri" panose="020F0502020204030204"/>
+        <a:latin typeface="Tw Cen MT" panose="020B0602020104020603"/>
         <a:ea typeface=""/>
         <a:cs typeface=""/>
-        <a:font script="Jpan" typeface="游ゴシック"/>
+        <a:font script="Jpan" typeface="ＭＳ Ｐゴシック"/>
         <a:font script="Hang" typeface="맑은 고딕"/>
-        <a:font script="Hans" typeface="等线"/>
+        <a:font script="Hans" typeface="宋体"/>
         <a:font script="Hant" typeface="新細明體"/>
         <a:font script="Arab" typeface="Arial"/>
         <a:font script="Hebr" typeface="Arial"/>
@@ -3301,8 +6644,103 @@
         <a:font script="Geor" typeface="Sylfaen"/>
       </a:minorFont>
     </a:fontScheme>
-    <a:fmtScheme name="Office Theme">
+    <a:fmtScheme name="Droplet">
       <a:fillStyleLst>
+        <a:solidFill>
+          <a:schemeClr val="phClr"/>
+        </a:solidFill>
+        <a:solidFill>
+          <a:schemeClr val="phClr">
+            <a:tint val="69000"/>
+            <a:satMod val="105000"/>
+            <a:lumMod val="110000"/>
+          </a:schemeClr>
+        </a:solidFill>
+        <a:gradFill rotWithShape="1">
+          <a:gsLst>
+            <a:gs pos="0">
+              <a:schemeClr val="phClr">
+                <a:tint val="94000"/>
+                <a:satMod val="100000"/>
+                <a:lumMod val="108000"/>
+              </a:schemeClr>
+            </a:gs>
+            <a:gs pos="50000">
+              <a:schemeClr val="phClr">
+                <a:tint val="98000"/>
+                <a:shade val="100000"/>
+                <a:satMod val="100000"/>
+                <a:lumMod val="100000"/>
+              </a:schemeClr>
+            </a:gs>
+            <a:gs pos="100000">
+              <a:schemeClr val="phClr">
+                <a:shade val="72000"/>
+                <a:satMod val="120000"/>
+                <a:lumMod val="100000"/>
+              </a:schemeClr>
+            </a:gs>
+          </a:gsLst>
+          <a:lin ang="5400000" scaled="0"/>
+        </a:gradFill>
+      </a:fillStyleLst>
+      <a:lnStyleLst>
+        <a:ln w="9525" cap="flat" cmpd="sng" algn="ctr">
+          <a:solidFill>
+            <a:schemeClr val="phClr">
+              <a:shade val="60000"/>
+            </a:schemeClr>
+          </a:solidFill>
+          <a:prstDash val="solid"/>
+        </a:ln>
+        <a:ln w="15875" cap="flat" cmpd="sng" algn="ctr">
+          <a:solidFill>
+            <a:schemeClr val="phClr"/>
+          </a:solidFill>
+          <a:prstDash val="solid"/>
+        </a:ln>
+        <a:ln w="22225" cap="flat" cmpd="sng" algn="ctr">
+          <a:solidFill>
+            <a:schemeClr val="phClr"/>
+          </a:solidFill>
+          <a:prstDash val="solid"/>
+        </a:ln>
+      </a:lnStyleLst>
+      <a:effectStyleLst>
+        <a:effectStyle>
+          <a:effectLst/>
+        </a:effectStyle>
+        <a:effectStyle>
+          <a:effectLst>
+            <a:outerShdw blurRad="50800" dist="25400" dir="5400000" rotWithShape="0">
+              <a:srgbClr val="000000">
+                <a:alpha val="28000"/>
+              </a:srgbClr>
+            </a:outerShdw>
+          </a:effectLst>
+        </a:effectStyle>
+        <a:effectStyle>
+          <a:effectLst>
+            <a:outerShdw blurRad="63500" dist="25400" dir="5400000" algn="ctr" rotWithShape="0">
+              <a:srgbClr val="000000">
+                <a:alpha val="69000"/>
+              </a:srgbClr>
+            </a:outerShdw>
+          </a:effectLst>
+          <a:scene3d>
+            <a:camera prst="orthographicFront">
+              <a:rot lat="0" lon="0" rev="0"/>
+            </a:camera>
+            <a:lightRig rig="balanced" dir="t">
+              <a:rot lat="0" lon="0" rev="1200000"/>
+            </a:lightRig>
+          </a:scene3d>
+          <a:sp3d prstMaterial="plastic">
+            <a:bevelT w="25400" h="25400"/>
+          </a:sp3d>
+        </a:effectStyle>
+      </a:effectStyleLst>
+      <a:bgFillStyleLst>
         <a:solidFill>
           <a:schemeClr val="phClr"/>
         </a:solidFill>
@@ -3310,23 +6748,14 @@
           <a:gsLst>
             <a:gs pos="0">
               <a:schemeClr val="phClr">
+                <a:tint val="90000"/>
                 <a:lumMod val="110000"/>
-                <a:satMod val="105000"/>
-                <a:tint val="67000"/>
-              </a:schemeClr>
-            </a:gs>
-            <a:gs pos="50000">
-              <a:schemeClr val="phClr">
-                <a:lumMod val="105000"/>
-                <a:satMod val="103000"/>
-                <a:tint val="73000"/>
               </a:schemeClr>
             </a:gs>
             <a:gs pos="100000">
               <a:schemeClr val="phClr">
-                <a:lumMod val="105000"/>
-                <a:satMod val="109000"/>
-                <a:tint val="81000"/>
+                <a:shade val="64000"/>
+                <a:lumMod val="88000"/>
               </a:schemeClr>
             </a:gs>
           </a:gsLst>
@@ -3336,101 +6765,18 @@
           <a:gsLst>
             <a:gs pos="0">
               <a:schemeClr val="phClr">
-                <a:satMod val="103000"/>
-                <a:lumMod val="102000"/>
-                <a:tint val="94000"/>
-              </a:schemeClr>
-            </a:gs>
-            <a:gs pos="50000">
-              <a:schemeClr val="phClr">
-                <a:satMod val="110000"/>
-                <a:lumMod val="100000"/>
+                <a:tint val="78000"/>
                 <a:shade val="100000"/>
+                <a:hueMod val="136000"/>
+                <a:satMod val="160000"/>
+                <a:lumMod val="105000"/>
               </a:schemeClr>
             </a:gs>
             <a:gs pos="100000">
               <a:schemeClr val="phClr">
-                <a:lumMod val="99000"/>
-                <a:satMod val="120000"/>
-                <a:shade val="78000"/>
-              </a:schemeClr>
-            </a:gs>
-          </a:gsLst>
-          <a:lin ang="5400000" scaled="0"/>
-        </a:gradFill>
-      </a:fillStyleLst>
-      <a:lnStyleLst>
-        <a:ln w="6350" cap="flat" cmpd="sng" algn="ctr">
-          <a:solidFill>
-            <a:schemeClr val="phClr"/>
-          </a:solidFill>
-          <a:prstDash val="solid"/>
-          <a:miter lim="800000"/>
-        </a:ln>
-        <a:ln w="12700" cap="flat" cmpd="sng" algn="ctr">
-          <a:solidFill>
-            <a:schemeClr val="phClr"/>
-          </a:solidFill>
-          <a:prstDash val="solid"/>
-          <a:miter lim="800000"/>
-        </a:ln>
-        <a:ln w="19050" cap="flat" cmpd="sng" algn="ctr">
-          <a:solidFill>
-            <a:schemeClr val="phClr"/>
-          </a:solidFill>
-          <a:prstDash val="solid"/>
-          <a:miter lim="800000"/>
-        </a:ln>
-      </a:lnStyleLst>
-      <a:effectStyleLst>
-        <a:effectStyle>
-          <a:effectLst/>
-        </a:effectStyle>
-        <a:effectStyle>
-          <a:effectLst/>
-        </a:effectStyle>
-        <a:effectStyle>
-          <a:effectLst>
-            <a:outerShdw blurRad="57150" dist="19050" dir="5400000" algn="ctr" rotWithShape="0">
-              <a:srgbClr val="000000">
-                <a:alpha val="63000"/>
-              </a:srgbClr>
-            </a:outerShdw>
-          </a:effectLst>
-        </a:effectStyle>
-      </a:effectStyleLst>
-      <a:bgFillStyleLst>
-        <a:solidFill>
-          <a:schemeClr val="phClr"/>
-        </a:solidFill>
-        <a:solidFill>
-          <a:schemeClr val="phClr">
-            <a:tint val="95000"/>
-            <a:satMod val="170000"/>
-          </a:schemeClr>
-        </a:solidFill>
-        <a:gradFill rotWithShape="1">
-          <a:gsLst>
-            <a:gs pos="0">
-              <a:schemeClr val="phClr">
-                <a:tint val="93000"/>
-                <a:satMod val="150000"/>
-                <a:shade val="98000"/>
-                <a:lumMod val="102000"/>
-              </a:schemeClr>
-            </a:gs>
-            <a:gs pos="50000">
-              <a:schemeClr val="phClr">
-                <a:tint val="98000"/>
-                <a:satMod val="130000"/>
-                <a:shade val="90000"/>
-                <a:lumMod val="103000"/>
-              </a:schemeClr>
-            </a:gs>
-            <a:gs pos="100000">
-              <a:schemeClr val="phClr">
-                <a:shade val="63000"/>
-                <a:satMod val="120000"/>
+                <a:shade val="92000"/>
+                <a:satMod val="170000"/>
+                <a:lumMod val="96000"/>
               </a:schemeClr>
             </a:gs>
           </a:gsLst>
@@ -3443,7 +6789,7 @@
   <a:extraClrSchemeLst/>
   <a:extLst>
     <a:ext uri="{05A4C25C-085E-4340-85A3-A5531E510DB2}">
-      <thm15:themeFamily xmlns:thm15="http://schemas.microsoft.com/office/thememl/2012/main" name="Office Theme 2013 - 2022" id="{62F939B6-93AF-4DB8-9C6B-D6C7DFDC589F}" vid="{4A3C46E8-61CC-4603-A589-7422A47A8E4A}"/>
+      <thm15:themeFamily xmlns:thm15="http://schemas.microsoft.com/office/thememl/2012/main" name="Droplet" id="{8984A317-299A-4E50-B45D-BFC9EDE2337A}" vid="{C71B277C-C29A-4BA0-A7BA-43502DF21AB3}"/>
     </a:ext>
   </a:extLst>
 </a:theme>
